--- a/docs/Proj-Presentation.pptx
+++ b/docs/Proj-Presentation.pptx
@@ -5,7 +5,7 @@
     <p:sldMasterId id="2147483648" r:id="rId1"/>
   </p:sldMasterIdLst>
   <p:notesMasterIdLst>
-    <p:notesMasterId r:id="rId24"/>
+    <p:notesMasterId r:id="rId28"/>
   </p:notesMasterIdLst>
   <p:sldIdLst>
     <p:sldId id="256" r:id="rId2"/>
@@ -30,6 +30,10 @@
     <p:sldId id="275" r:id="rId21"/>
     <p:sldId id="276" r:id="rId22"/>
     <p:sldId id="277" r:id="rId23"/>
+    <p:sldId id="280" r:id="rId24"/>
+    <p:sldId id="282" r:id="rId25"/>
+    <p:sldId id="283" r:id="rId26"/>
+    <p:sldId id="284" r:id="rId27"/>
   </p:sldIdLst>
   <p:sldSz cx="12192000" cy="6858000"/>
   <p:notesSz cx="6858000" cy="9144000"/>
@@ -130,7 +134,7 @@
   </p:defaultTextStyle>
   <p:extLst>
     <p:ext uri="{EFAFB233-063F-42B5-8137-9DF3F51BA10A}">
-      <p15:sldGuideLst xmlns:p15="http://schemas.microsoft.com/office/powerpoint/2012/main"/>
+      <p15:sldGuideLst xmlns:p15="http://schemas.microsoft.com/office/powerpoint/2012/main" xmlns=""/>
     </p:ext>
   </p:extLst>
 </p:presentation>
@@ -1204,7 +1208,7 @@
   <p:clrMapOvr>
     <a:masterClrMapping/>
   </p:clrMapOvr>
-  <p:transition>
+  <p:transition xmlns:p14="http://schemas.microsoft.com/office/powerpoint/2010/main">
     <p:fade/>
   </p:transition>
 </p:sldLayout>
@@ -3615,7 +3619,7 @@
   <p:timing>
     <p:tnLst>
       <p:par>
-        <p:cTn id="1" dur="indefinite" restart="never" nodeType="tmRoot"/>
+        <p:cTn xmlns:p14="http://schemas.microsoft.com/office/powerpoint/2010/main" id="1" dur="indefinite" restart="never" nodeType="tmRoot"/>
       </p:par>
     </p:tnLst>
   </p:timing>
@@ -4038,7 +4042,7 @@
   <p:timing>
     <p:tnLst>
       <p:par>
-        <p:cTn id="1" dur="indefinite" restart="never" nodeType="tmRoot"/>
+        <p:cTn xmlns:p14="http://schemas.microsoft.com/office/powerpoint/2010/main" id="1" dur="indefinite" restart="never" nodeType="tmRoot"/>
       </p:par>
     </p:tnLst>
   </p:timing>
@@ -4461,7 +4465,7 @@
   <p:timing>
     <p:tnLst>
       <p:par>
-        <p:cTn id="1" dur="indefinite" restart="never" nodeType="tmRoot"/>
+        <p:cTn xmlns:p14="http://schemas.microsoft.com/office/powerpoint/2010/main" id="1" dur="indefinite" restart="never" nodeType="tmRoot"/>
       </p:par>
     </p:tnLst>
   </p:timing>
@@ -4819,7 +4823,7 @@
   <p:timing>
     <p:tnLst>
       <p:par>
-        <p:cTn id="1" dur="indefinite" restart="never" nodeType="tmRoot"/>
+        <p:cTn xmlns:p14="http://schemas.microsoft.com/office/powerpoint/2010/main" id="1" dur="indefinite" restart="never" nodeType="tmRoot"/>
       </p:par>
     </p:tnLst>
   </p:timing>
@@ -4860,11 +4864,7 @@
           <a:p>
             <a:r>
               <a:rPr lang="en-US" dirty="0" smtClean="0"/>
-              <a:t>How to ensure the security: inside </a:t>
-            </a:r>
-            <a:r>
-              <a:rPr lang="en-US" dirty="0" smtClean="0"/>
-              <a:t>token</a:t>
+              <a:t>How to ensure the security: inside token</a:t>
             </a:r>
             <a:endParaRPr lang="en-US" dirty="0"/>
           </a:p>
@@ -5024,7 +5024,6 @@
                 <a:rPr lang="en-US" dirty="0" smtClean="0"/>
                 <a:t>Alice</a:t>
               </a:r>
-              <a:endParaRPr lang="en-US" dirty="0" smtClean="0"/>
             </a:p>
           </p:txBody>
         </p:sp>
@@ -5366,7 +5365,6 @@
                 <a:rPr lang="en-US" sz="1600" dirty="0" smtClean="0"/>
                 <a:t>Alice’s Pub Key</a:t>
               </a:r>
-              <a:endParaRPr lang="en-US" sz="1600" dirty="0" smtClean="0"/>
             </a:p>
             <a:p>
               <a:pPr algn="ctr"/>
@@ -5380,13 +5378,8 @@
               </a:r>
               <a:r>
                 <a:rPr lang="en-US" sz="1600" dirty="0" smtClean="0"/>
-                <a:t>Student, </a:t>
+                <a:t>Student, CD</a:t>
               </a:r>
-              <a:r>
-                <a:rPr lang="en-US" sz="1600" dirty="0" smtClean="0"/>
-                <a:t>CD</a:t>
-              </a:r>
-              <a:endParaRPr lang="en-US" sz="1600" dirty="0" smtClean="0"/>
             </a:p>
           </p:txBody>
         </p:sp>
@@ -5428,7 +5421,6 @@
                 <a:rPr lang="en-US" dirty="0" smtClean="0"/>
                 <a:t>Officer’s Signature</a:t>
               </a:r>
-              <a:endParaRPr lang="en-US" dirty="0" smtClean="0"/>
             </a:p>
           </p:txBody>
         </p:sp>
@@ -5478,7 +5470,6 @@
                 <a:rPr lang="en-US" dirty="0" smtClean="0"/>
                 <a:t>/TOKEN/Alice/&lt;token&gt;</a:t>
               </a:r>
-              <a:endParaRPr lang="en-US" dirty="0" smtClean="0"/>
             </a:p>
           </p:txBody>
         </p:sp>
@@ -5619,7 +5610,6 @@
                 <a:rPr lang="en-US" dirty="0" smtClean="0"/>
                 <a:t>AA’s Signature</a:t>
               </a:r>
-              <a:endParaRPr lang="en-US" dirty="0" smtClean="0"/>
             </a:p>
           </p:txBody>
         </p:sp>
@@ -5661,7 +5651,6 @@
                 <a:rPr lang="en-US" dirty="0" smtClean="0"/>
                 <a:t>/aa/DKEY/&lt;token&gt;</a:t>
               </a:r>
-              <a:endParaRPr lang="en-US" dirty="0" smtClean="0"/>
             </a:p>
           </p:txBody>
         </p:sp>
@@ -5679,7 +5668,7 @@
   <p:timing>
     <p:tnLst>
       <p:par>
-        <p:cTn id="1" dur="indefinite" restart="never" nodeType="tmRoot"/>
+        <p:cTn xmlns:p14="http://schemas.microsoft.com/office/powerpoint/2010/main" id="1" dur="indefinite" restart="never" nodeType="tmRoot"/>
       </p:par>
     </p:tnLst>
   </p:timing>
@@ -5974,7 +5963,7 @@
   <p:timing>
     <p:tnLst>
       <p:par>
-        <p:cTn id="1" dur="indefinite" restart="never" nodeType="tmRoot"/>
+        <p:cTn xmlns:p14="http://schemas.microsoft.com/office/powerpoint/2010/main" id="1" dur="indefinite" restart="never" nodeType="tmRoot"/>
       </p:par>
     </p:tnLst>
   </p:timing>
@@ -6526,11 +6515,7 @@
             <a:pPr algn="ctr"/>
             <a:r>
               <a:rPr lang="en-US" dirty="0" smtClean="0"/>
-              <a:t>Decryption </a:t>
-            </a:r>
-            <a:r>
-              <a:rPr lang="en-US" dirty="0" smtClean="0"/>
-              <a:t>Key</a:t>
+              <a:t>Decryption Key</a:t>
             </a:r>
             <a:endParaRPr lang="en-US" dirty="0"/>
           </a:p>
@@ -6549,7 +6534,7 @@
   <p:timing>
     <p:tnLst>
       <p:par>
-        <p:cTn id="1" dur="indefinite" restart="never" nodeType="tmRoot"/>
+        <p:cTn xmlns:p14="http://schemas.microsoft.com/office/powerpoint/2010/main" id="1" dur="indefinite" restart="never" nodeType="tmRoot"/>
       </p:par>
     </p:tnLst>
   </p:timing>
@@ -7452,7 +7437,7 @@
   <p:timing>
     <p:tnLst>
       <p:par>
-        <p:cTn id="1" dur="indefinite" restart="never" nodeType="tmRoot"/>
+        <p:cTn xmlns:p14="http://schemas.microsoft.com/office/powerpoint/2010/main" id="1" dur="indefinite" restart="never" nodeType="tmRoot"/>
       </p:par>
     </p:tnLst>
   </p:timing>
@@ -7800,11 +7785,7 @@
             <a:pPr algn="ctr"/>
             <a:r>
               <a:rPr lang="en-US" dirty="0" smtClean="0"/>
-              <a:t>Decryption </a:t>
-            </a:r>
-            <a:r>
-              <a:rPr lang="en-US" dirty="0" smtClean="0"/>
-              <a:t>Key</a:t>
+              <a:t>Decryption Key</a:t>
             </a:r>
             <a:endParaRPr lang="en-US" dirty="0"/>
           </a:p>
@@ -8224,7 +8205,7 @@
   <p:timing>
     <p:tnLst>
       <p:par>
-        <p:cTn id="1" dur="indefinite" restart="never" nodeType="tmRoot"/>
+        <p:cTn xmlns:p14="http://schemas.microsoft.com/office/powerpoint/2010/main" id="1" dur="indefinite" restart="never" nodeType="tmRoot"/>
       </p:par>
     </p:tnLst>
   </p:timing>
@@ -9100,7 +9081,7 @@
   <p:timing>
     <p:tnLst>
       <p:par>
-        <p:cTn id="1" dur="indefinite" restart="never" nodeType="tmRoot"/>
+        <p:cTn xmlns:p14="http://schemas.microsoft.com/office/powerpoint/2010/main" id="1" dur="indefinite" restart="never" nodeType="tmRoot"/>
       </p:par>
     </p:tnLst>
   </p:timing>
@@ -9197,7 +9178,7 @@
   <p:timing>
     <p:tnLst>
       <p:par>
-        <p:cTn id="1" dur="indefinite" restart="never" nodeType="tmRoot"/>
+        <p:cTn xmlns:p14="http://schemas.microsoft.com/office/powerpoint/2010/main" id="1" dur="indefinite" restart="never" nodeType="tmRoot"/>
       </p:par>
     </p:tnLst>
   </p:timing>
@@ -9321,7 +9302,7 @@
   <p:timing>
     <p:tnLst>
       <p:par>
-        <p:cTn id="1" dur="indefinite" restart="never" nodeType="tmRoot"/>
+        <p:cTn xmlns:p14="http://schemas.microsoft.com/office/powerpoint/2010/main" id="1" dur="indefinite" restart="never" nodeType="tmRoot"/>
       </p:par>
     </p:tnLst>
   </p:timing>
@@ -9433,7 +9414,7 @@
   <p:timing>
     <p:tnLst>
       <p:par>
-        <p:cTn id="1" dur="indefinite" restart="never" nodeType="tmRoot"/>
+        <p:cTn xmlns:p14="http://schemas.microsoft.com/office/powerpoint/2010/main" id="1" dur="indefinite" restart="never" nodeType="tmRoot"/>
       </p:par>
     </p:tnLst>
   </p:timing>
@@ -9697,7 +9678,7 @@
             <a:lstStyle/>
             <a:p>
               <a:r>
-                <a:rPr lang="en-US" sz="2400"/>
+                <a:rPr lang="en-US" sz="2400" dirty="0"/>
                 <a:t>NDN</a:t>
               </a:r>
             </a:p>
@@ -12179,13 +12160,13 @@
   <p:clrMapOvr>
     <a:masterClrMapping/>
   </p:clrMapOvr>
-  <p:transition>
+  <p:transition xmlns:p14="http://schemas.microsoft.com/office/powerpoint/2010/main">
     <p:fade/>
   </p:transition>
   <p:timing>
     <p:tnLst>
       <p:par>
-        <p:cTn id="1" dur="indefinite" restart="never" nodeType="tmRoot"/>
+        <p:cTn xmlns:p14="http://schemas.microsoft.com/office/powerpoint/2010/main" id="1" dur="indefinite" restart="never" nodeType="tmRoot"/>
       </p:par>
     </p:tnLst>
   </p:timing>
@@ -13392,15 +13373,7 @@
                     <a:schemeClr val="tx1"/>
                   </a:solidFill>
                 </a:rPr>
-                <a:t>FIU) or (</a:t>
-              </a:r>
-              <a:r>
-                <a:rPr lang="en-US" sz="1400" b="1" dirty="0" smtClean="0">
-                  <a:solidFill>
-                    <a:schemeClr val="tx1"/>
-                  </a:solidFill>
-                </a:rPr>
-                <a:t>VO2)</a:t>
+                <a:t>FIU) or (VO2)</a:t>
               </a:r>
               <a:endParaRPr lang="en-US" sz="1400" b="1" dirty="0">
                 <a:solidFill>
@@ -14722,13 +14695,2835 @@
   <p:clrMapOvr>
     <a:masterClrMapping/>
   </p:clrMapOvr>
-  <p:transition>
+  <p:transition xmlns:p14="http://schemas.microsoft.com/office/powerpoint/2010/main">
     <p:fade/>
   </p:transition>
   <p:timing>
     <p:tnLst>
       <p:par>
-        <p:cTn id="1" dur="indefinite" restart="never" nodeType="tmRoot"/>
+        <p:cTn xmlns:p14="http://schemas.microsoft.com/office/powerpoint/2010/main" id="1" dur="indefinite" restart="never" nodeType="tmRoot"/>
+      </p:par>
+    </p:tnLst>
+  </p:timing>
+</p:sld>
+</file>
+
+<file path=ppt/slides/slide23.xml><?xml version="1.0" encoding="utf-8"?>
+<p:sld xmlns:a="http://schemas.openxmlformats.org/drawingml/2006/main" xmlns:r="http://schemas.openxmlformats.org/officeDocument/2006/relationships" xmlns:p="http://schemas.openxmlformats.org/presentationml/2006/main">
+  <p:cSld>
+    <p:spTree>
+      <p:nvGrpSpPr>
+        <p:cNvPr id="1" name=""/>
+        <p:cNvGrpSpPr/>
+        <p:nvPr/>
+      </p:nvGrpSpPr>
+      <p:grpSpPr>
+        <a:xfrm>
+          <a:off x="0" y="0"/>
+          <a:ext cx="0" cy="0"/>
+          <a:chOff x="0" y="0"/>
+          <a:chExt cx="0" cy="0"/>
+        </a:xfrm>
+      </p:grpSpPr>
+      <p:sp>
+        <p:nvSpPr>
+          <p:cNvPr id="2" name="Title 1"/>
+          <p:cNvSpPr>
+            <a:spLocks noGrp="1"/>
+          </p:cNvSpPr>
+          <p:nvPr>
+            <p:ph type="title"/>
+          </p:nvPr>
+        </p:nvSpPr>
+        <p:spPr/>
+        <p:txBody>
+          <a:bodyPr/>
+          <a:lstStyle/>
+          <a:p>
+            <a:r>
+              <a:rPr lang="en-US" dirty="0" smtClean="0"/>
+              <a:t>Code Base</a:t>
+            </a:r>
+            <a:endParaRPr lang="en-US" dirty="0"/>
+          </a:p>
+        </p:txBody>
+      </p:sp>
+      <p:sp>
+        <p:nvSpPr>
+          <p:cNvPr id="3" name="Content Placeholder 2"/>
+          <p:cNvSpPr>
+            <a:spLocks noGrp="1"/>
+          </p:cNvSpPr>
+          <p:nvPr>
+            <p:ph idx="1"/>
+          </p:nvPr>
+        </p:nvSpPr>
+        <p:spPr/>
+        <p:txBody>
+          <a:bodyPr/>
+          <a:lstStyle/>
+          <a:p>
+            <a:r>
+              <a:rPr lang="en-US" dirty="0" smtClean="0"/>
+              <a:t>Attribut</a:t>
+            </a:r>
+            <a:r>
+              <a:rPr lang="en-US" dirty="0" smtClean="0"/>
+              <a:t>e Authority</a:t>
+            </a:r>
+          </a:p>
+          <a:p>
+            <a:r>
+              <a:rPr lang="en-US" dirty="0" smtClean="0"/>
+              <a:t>Token Issuer</a:t>
+            </a:r>
+          </a:p>
+          <a:p>
+            <a:r>
+              <a:rPr lang="en-US" dirty="0" smtClean="0"/>
+              <a:t>Data Owner</a:t>
+            </a:r>
+          </a:p>
+          <a:p>
+            <a:r>
+              <a:rPr lang="en-US" dirty="0" smtClean="0"/>
+              <a:t>Producer</a:t>
+            </a:r>
+          </a:p>
+          <a:p>
+            <a:r>
+              <a:rPr lang="en-US" dirty="0" smtClean="0"/>
+              <a:t>Consumer</a:t>
+            </a:r>
+          </a:p>
+          <a:p>
+            <a:endParaRPr lang="en-US" dirty="0" smtClean="0"/>
+          </a:p>
+          <a:p>
+            <a:endParaRPr lang="en-US" dirty="0"/>
+          </a:p>
+        </p:txBody>
+      </p:sp>
+      <p:pic>
+        <p:nvPicPr>
+          <p:cNvPr id="4" name="Picture 3" descr="Screen Shot 2017-06-07 at 11.50.45 PM.png"/>
+          <p:cNvPicPr>
+            <a:picLocks noChangeAspect="1"/>
+          </p:cNvPicPr>
+          <p:nvPr/>
+        </p:nvPicPr>
+        <p:blipFill>
+          <a:blip r:embed="rId2">
+            <a:extLst>
+              <a:ext uri="{28A0092B-C50C-407E-A947-70E740481C1C}">
+                <a14:useLocalDpi xmlns:a14="http://schemas.microsoft.com/office/drawing/2010/main" val="0"/>
+              </a:ext>
+            </a:extLst>
+          </a:blip>
+          <a:stretch>
+            <a:fillRect/>
+          </a:stretch>
+        </p:blipFill>
+        <p:spPr>
+          <a:xfrm>
+            <a:off x="7244609" y="365125"/>
+            <a:ext cx="3071849" cy="5977652"/>
+          </a:xfrm>
+          <a:prstGeom prst="rect">
+            <a:avLst/>
+          </a:prstGeom>
+        </p:spPr>
+      </p:pic>
+    </p:spTree>
+    <p:extLst>
+      <p:ext uri="{BB962C8B-B14F-4D97-AF65-F5344CB8AC3E}">
+        <p14:creationId xmlns:p14="http://schemas.microsoft.com/office/powerpoint/2010/main" val="1347128430"/>
+      </p:ext>
+    </p:extLst>
+  </p:cSld>
+  <p:clrMapOvr>
+    <a:masterClrMapping/>
+  </p:clrMapOvr>
+  <p:timing>
+    <p:tnLst>
+      <p:par>
+        <p:cTn xmlns:p14="http://schemas.microsoft.com/office/powerpoint/2010/main" id="1" dur="indefinite" restart="never" nodeType="tmRoot"/>
+      </p:par>
+    </p:tnLst>
+  </p:timing>
+</p:sld>
+</file>
+
+<file path=ppt/slides/slide24.xml><?xml version="1.0" encoding="utf-8"?>
+<p:sld xmlns:a="http://schemas.openxmlformats.org/drawingml/2006/main" xmlns:r="http://schemas.openxmlformats.org/officeDocument/2006/relationships" xmlns:p="http://schemas.openxmlformats.org/presentationml/2006/main">
+  <p:cSld>
+    <p:spTree>
+      <p:nvGrpSpPr>
+        <p:cNvPr id="1" name=""/>
+        <p:cNvGrpSpPr/>
+        <p:nvPr/>
+      </p:nvGrpSpPr>
+      <p:grpSpPr>
+        <a:xfrm>
+          <a:off x="0" y="0"/>
+          <a:ext cx="0" cy="0"/>
+          <a:chOff x="0" y="0"/>
+          <a:chExt cx="0" cy="0"/>
+        </a:xfrm>
+      </p:grpSpPr>
+      <p:sp>
+        <p:nvSpPr>
+          <p:cNvPr id="90" name="Rounded Rectangle 89"/>
+          <p:cNvSpPr/>
+          <p:nvPr/>
+        </p:nvSpPr>
+        <p:spPr>
+          <a:xfrm>
+            <a:off x="5084166" y="189258"/>
+            <a:ext cx="6080020" cy="2716139"/>
+          </a:xfrm>
+          <a:prstGeom prst="roundRect">
+            <a:avLst/>
+          </a:prstGeom>
+          <a:solidFill>
+            <a:schemeClr val="bg1"/>
+          </a:solidFill>
+          <a:ln w="12700">
+            <a:solidFill>
+              <a:schemeClr val="tx1"/>
+            </a:solidFill>
+          </a:ln>
+          <a:effectLst/>
+          <a:scene3d>
+            <a:camera prst="orthographicFront"/>
+            <a:lightRig rig="threePt" dir="t"/>
+          </a:scene3d>
+          <a:sp3d>
+            <a:bevelT/>
+          </a:sp3d>
+        </p:spPr>
+        <p:style>
+          <a:lnRef idx="1">
+            <a:schemeClr val="accent1"/>
+          </a:lnRef>
+          <a:fillRef idx="3">
+            <a:schemeClr val="accent1"/>
+          </a:fillRef>
+          <a:effectRef idx="2">
+            <a:schemeClr val="accent1"/>
+          </a:effectRef>
+          <a:fontRef idx="minor">
+            <a:schemeClr val="lt1"/>
+          </a:fontRef>
+        </p:style>
+        <p:txBody>
+          <a:bodyPr rtlCol="0" anchor="t" anchorCtr="0"/>
+          <a:lstStyle/>
+          <a:p>
+            <a:pPr algn="ctr"/>
+            <a:endParaRPr lang="en-US" dirty="0">
+              <a:solidFill>
+                <a:schemeClr val="tx1"/>
+              </a:solidFill>
+            </a:endParaRPr>
+          </a:p>
+        </p:txBody>
+      </p:sp>
+      <p:sp>
+        <p:nvSpPr>
+          <p:cNvPr id="11" name="Rounded Rectangle 10"/>
+          <p:cNvSpPr/>
+          <p:nvPr/>
+        </p:nvSpPr>
+        <p:spPr>
+          <a:xfrm>
+            <a:off x="136926" y="2836362"/>
+            <a:ext cx="3795825" cy="3604404"/>
+          </a:xfrm>
+          <a:prstGeom prst="roundRect">
+            <a:avLst/>
+          </a:prstGeom>
+          <a:solidFill>
+            <a:schemeClr val="bg1"/>
+          </a:solidFill>
+          <a:ln w="12700">
+            <a:solidFill>
+              <a:schemeClr val="tx1"/>
+            </a:solidFill>
+          </a:ln>
+          <a:effectLst/>
+          <a:scene3d>
+            <a:camera prst="orthographicFront"/>
+            <a:lightRig rig="threePt" dir="t"/>
+          </a:scene3d>
+          <a:sp3d>
+            <a:bevelT/>
+          </a:sp3d>
+        </p:spPr>
+        <p:style>
+          <a:lnRef idx="1">
+            <a:schemeClr val="accent1"/>
+          </a:lnRef>
+          <a:fillRef idx="3">
+            <a:schemeClr val="accent1"/>
+          </a:fillRef>
+          <a:effectRef idx="2">
+            <a:schemeClr val="accent1"/>
+          </a:effectRef>
+          <a:fontRef idx="minor">
+            <a:schemeClr val="lt1"/>
+          </a:fontRef>
+        </p:style>
+        <p:txBody>
+          <a:bodyPr rtlCol="0" anchor="t" anchorCtr="0"/>
+          <a:lstStyle/>
+          <a:p>
+            <a:pPr algn="ctr"/>
+            <a:endParaRPr lang="en-US" dirty="0">
+              <a:solidFill>
+                <a:schemeClr val="tx1"/>
+              </a:solidFill>
+            </a:endParaRPr>
+          </a:p>
+        </p:txBody>
+      </p:sp>
+      <p:sp>
+        <p:nvSpPr>
+          <p:cNvPr id="114" name="Rounded Rectangle 113"/>
+          <p:cNvSpPr/>
+          <p:nvPr/>
+        </p:nvSpPr>
+        <p:spPr>
+          <a:xfrm>
+            <a:off x="4363558" y="3409546"/>
+            <a:ext cx="3685289" cy="3130870"/>
+          </a:xfrm>
+          <a:prstGeom prst="roundRect">
+            <a:avLst/>
+          </a:prstGeom>
+          <a:solidFill>
+            <a:schemeClr val="bg1"/>
+          </a:solidFill>
+          <a:ln w="12700">
+            <a:solidFill>
+              <a:schemeClr val="tx1"/>
+            </a:solidFill>
+          </a:ln>
+          <a:effectLst/>
+          <a:scene3d>
+            <a:camera prst="orthographicFront"/>
+            <a:lightRig rig="threePt" dir="t"/>
+          </a:scene3d>
+          <a:sp3d>
+            <a:bevelT/>
+          </a:sp3d>
+        </p:spPr>
+        <p:style>
+          <a:lnRef idx="1">
+            <a:schemeClr val="accent1"/>
+          </a:lnRef>
+          <a:fillRef idx="3">
+            <a:schemeClr val="accent1"/>
+          </a:fillRef>
+          <a:effectRef idx="2">
+            <a:schemeClr val="accent1"/>
+          </a:effectRef>
+          <a:fontRef idx="minor">
+            <a:schemeClr val="lt1"/>
+          </a:fontRef>
+        </p:style>
+        <p:txBody>
+          <a:bodyPr rtlCol="0" anchor="t" anchorCtr="0"/>
+          <a:lstStyle/>
+          <a:p>
+            <a:pPr algn="ctr"/>
+            <a:endParaRPr lang="en-US" dirty="0">
+              <a:solidFill>
+                <a:schemeClr val="tx1"/>
+              </a:solidFill>
+            </a:endParaRPr>
+          </a:p>
+        </p:txBody>
+      </p:sp>
+      <p:grpSp>
+        <p:nvGrpSpPr>
+          <p:cNvPr id="47" name="Group 46"/>
+          <p:cNvGrpSpPr/>
+          <p:nvPr/>
+        </p:nvGrpSpPr>
+        <p:grpSpPr>
+          <a:xfrm>
+            <a:off x="1997514" y="906831"/>
+            <a:ext cx="2647546" cy="1647215"/>
+            <a:chOff x="5057217" y="605410"/>
+            <a:chExt cx="2647546" cy="1647215"/>
+          </a:xfrm>
+        </p:grpSpPr>
+        <p:pic>
+          <p:nvPicPr>
+            <p:cNvPr id="9" name="Picture 8"/>
+            <p:cNvPicPr>
+              <a:picLocks noChangeAspect="1"/>
+            </p:cNvPicPr>
+            <p:nvPr/>
+          </p:nvPicPr>
+          <p:blipFill rotWithShape="1">
+            <a:blip r:embed="rId2">
+              <a:extLst>
+                <a:ext uri="{28A0092B-C50C-407E-A947-70E740481C1C}">
+                  <a14:useLocalDpi xmlns:a14="http://schemas.microsoft.com/office/drawing/2010/main" val="0"/>
+                </a:ext>
+              </a:extLst>
+            </a:blip>
+            <a:srcRect l="6246" t="4326" r="5668" b="18488"/>
+            <a:stretch/>
+          </p:blipFill>
+          <p:spPr>
+            <a:xfrm>
+              <a:off x="5057217" y="605410"/>
+              <a:ext cx="2647546" cy="1647215"/>
+            </a:xfrm>
+            <a:prstGeom prst="rect">
+              <a:avLst/>
+            </a:prstGeom>
+          </p:spPr>
+        </p:pic>
+        <p:sp>
+          <p:nvSpPr>
+            <p:cNvPr id="10" name="TextBox 9"/>
+            <p:cNvSpPr txBox="1"/>
+            <p:nvPr/>
+          </p:nvSpPr>
+          <p:spPr>
+            <a:xfrm>
+              <a:off x="5995307" y="1315283"/>
+              <a:ext cx="771365" cy="461665"/>
+            </a:xfrm>
+            <a:prstGeom prst="rect">
+              <a:avLst/>
+            </a:prstGeom>
+            <a:noFill/>
+          </p:spPr>
+          <p:txBody>
+            <a:bodyPr wrap="none" rtlCol="0">
+              <a:spAutoFit/>
+            </a:bodyPr>
+            <a:lstStyle/>
+            <a:p>
+              <a:r>
+                <a:rPr lang="en-US" sz="2400" dirty="0" smtClean="0"/>
+                <a:t>NDN</a:t>
+              </a:r>
+              <a:endParaRPr lang="en-US" sz="2400" dirty="0"/>
+            </a:p>
+          </p:txBody>
+        </p:sp>
+      </p:grpSp>
+      <p:cxnSp>
+        <p:nvCxnSpPr>
+          <p:cNvPr id="36" name="Straight Connector 35"/>
+          <p:cNvCxnSpPr>
+            <a:stCxn id="11" idx="0"/>
+            <a:endCxn id="9" idx="2"/>
+          </p:cNvCxnSpPr>
+          <p:nvPr/>
+        </p:nvCxnSpPr>
+        <p:spPr>
+          <a:xfrm flipV="1">
+            <a:off x="2034839" y="2554046"/>
+            <a:ext cx="1286448" cy="282316"/>
+          </a:xfrm>
+          <a:prstGeom prst="line">
+            <a:avLst/>
+          </a:prstGeom>
+          <a:ln w="19050">
+            <a:solidFill>
+              <a:schemeClr val="tx1"/>
+            </a:solidFill>
+          </a:ln>
+          <a:effectLst/>
+        </p:spPr>
+        <p:style>
+          <a:lnRef idx="2">
+            <a:schemeClr val="accent1"/>
+          </a:lnRef>
+          <a:fillRef idx="0">
+            <a:schemeClr val="accent1"/>
+          </a:fillRef>
+          <a:effectRef idx="1">
+            <a:schemeClr val="accent1"/>
+          </a:effectRef>
+          <a:fontRef idx="minor">
+            <a:schemeClr val="tx1"/>
+          </a:fontRef>
+        </p:style>
+      </p:cxnSp>
+      <p:sp>
+        <p:nvSpPr>
+          <p:cNvPr id="58" name="Rounded Rectangle 57"/>
+          <p:cNvSpPr/>
+          <p:nvPr/>
+        </p:nvSpPr>
+        <p:spPr>
+          <a:xfrm>
+            <a:off x="8313116" y="3773893"/>
+            <a:ext cx="1055896" cy="274598"/>
+          </a:xfrm>
+          <a:prstGeom prst="roundRect">
+            <a:avLst/>
+          </a:prstGeom>
+          <a:solidFill>
+            <a:schemeClr val="bg1"/>
+          </a:solidFill>
+          <a:ln w="12700">
+            <a:solidFill>
+              <a:schemeClr val="tx1"/>
+            </a:solidFill>
+          </a:ln>
+          <a:effectLst/>
+          <a:scene3d>
+            <a:camera prst="orthographicFront"/>
+            <a:lightRig rig="threePt" dir="t"/>
+          </a:scene3d>
+          <a:sp3d>
+            <a:bevelT/>
+          </a:sp3d>
+        </p:spPr>
+        <p:style>
+          <a:lnRef idx="1">
+            <a:schemeClr val="accent1"/>
+          </a:lnRef>
+          <a:fillRef idx="3">
+            <a:schemeClr val="accent1"/>
+          </a:fillRef>
+          <a:effectRef idx="2">
+            <a:schemeClr val="accent1"/>
+          </a:effectRef>
+          <a:fontRef idx="minor">
+            <a:schemeClr val="lt1"/>
+          </a:fontRef>
+        </p:style>
+        <p:txBody>
+          <a:bodyPr rtlCol="0" anchor="ctr" anchorCtr="0"/>
+          <a:lstStyle/>
+          <a:p>
+            <a:pPr algn="ctr"/>
+            <a:r>
+              <a:rPr lang="en-US" sz="1400" dirty="0" err="1" smtClean="0">
+                <a:solidFill>
+                  <a:schemeClr val="tx1"/>
+                </a:solidFill>
+              </a:rPr>
+              <a:t>ConsumerA</a:t>
+            </a:r>
+            <a:endParaRPr lang="en-US" sz="1400" dirty="0">
+              <a:solidFill>
+                <a:schemeClr val="tx1"/>
+              </a:solidFill>
+            </a:endParaRPr>
+          </a:p>
+        </p:txBody>
+      </p:sp>
+      <p:sp>
+        <p:nvSpPr>
+          <p:cNvPr id="59" name="Rounded Rectangle 58"/>
+          <p:cNvSpPr/>
+          <p:nvPr/>
+        </p:nvSpPr>
+        <p:spPr>
+          <a:xfrm>
+            <a:off x="8313116" y="4650058"/>
+            <a:ext cx="1057142" cy="247860"/>
+          </a:xfrm>
+          <a:prstGeom prst="roundRect">
+            <a:avLst/>
+          </a:prstGeom>
+          <a:solidFill>
+            <a:schemeClr val="bg1"/>
+          </a:solidFill>
+          <a:ln w="12700">
+            <a:solidFill>
+              <a:schemeClr val="tx1"/>
+            </a:solidFill>
+          </a:ln>
+          <a:effectLst/>
+          <a:scene3d>
+            <a:camera prst="orthographicFront"/>
+            <a:lightRig rig="threePt" dir="t"/>
+          </a:scene3d>
+          <a:sp3d>
+            <a:bevelT/>
+          </a:sp3d>
+        </p:spPr>
+        <p:style>
+          <a:lnRef idx="1">
+            <a:schemeClr val="accent1"/>
+          </a:lnRef>
+          <a:fillRef idx="3">
+            <a:schemeClr val="accent1"/>
+          </a:fillRef>
+          <a:effectRef idx="2">
+            <a:schemeClr val="accent1"/>
+          </a:effectRef>
+          <a:fontRef idx="minor">
+            <a:schemeClr val="lt1"/>
+          </a:fontRef>
+        </p:style>
+        <p:txBody>
+          <a:bodyPr rtlCol="0" anchor="ctr" anchorCtr="0"/>
+          <a:lstStyle/>
+          <a:p>
+            <a:pPr algn="ctr"/>
+            <a:r>
+              <a:rPr lang="en-US" sz="1400" dirty="0" err="1" smtClean="0">
+                <a:solidFill>
+                  <a:schemeClr val="tx1"/>
+                </a:solidFill>
+              </a:rPr>
+              <a:t>ConsumerB</a:t>
+            </a:r>
+            <a:endParaRPr lang="en-US" sz="1400" dirty="0">
+              <a:solidFill>
+                <a:schemeClr val="tx1"/>
+              </a:solidFill>
+            </a:endParaRPr>
+          </a:p>
+        </p:txBody>
+      </p:sp>
+      <p:sp>
+        <p:nvSpPr>
+          <p:cNvPr id="60" name="Rounded Rectangle 59"/>
+          <p:cNvSpPr/>
+          <p:nvPr/>
+        </p:nvSpPr>
+        <p:spPr>
+          <a:xfrm>
+            <a:off x="8313116" y="5499485"/>
+            <a:ext cx="1057142" cy="247860"/>
+          </a:xfrm>
+          <a:prstGeom prst="roundRect">
+            <a:avLst/>
+          </a:prstGeom>
+          <a:solidFill>
+            <a:schemeClr val="bg1"/>
+          </a:solidFill>
+          <a:ln w="12700">
+            <a:solidFill>
+              <a:schemeClr val="tx1"/>
+            </a:solidFill>
+          </a:ln>
+          <a:effectLst/>
+          <a:scene3d>
+            <a:camera prst="orthographicFront"/>
+            <a:lightRig rig="threePt" dir="t"/>
+          </a:scene3d>
+          <a:sp3d>
+            <a:bevelT/>
+          </a:sp3d>
+        </p:spPr>
+        <p:style>
+          <a:lnRef idx="1">
+            <a:schemeClr val="accent1"/>
+          </a:lnRef>
+          <a:fillRef idx="3">
+            <a:schemeClr val="accent1"/>
+          </a:fillRef>
+          <a:effectRef idx="2">
+            <a:schemeClr val="accent1"/>
+          </a:effectRef>
+          <a:fontRef idx="minor">
+            <a:schemeClr val="lt1"/>
+          </a:fontRef>
+        </p:style>
+        <p:txBody>
+          <a:bodyPr rtlCol="0" anchor="ctr" anchorCtr="0"/>
+          <a:lstStyle/>
+          <a:p>
+            <a:pPr algn="ctr"/>
+            <a:r>
+              <a:rPr lang="en-US" sz="1400" dirty="0" err="1" smtClean="0">
+                <a:solidFill>
+                  <a:schemeClr val="tx1"/>
+                </a:solidFill>
+              </a:rPr>
+              <a:t>ConsumerC</a:t>
+            </a:r>
+            <a:endParaRPr lang="en-US" sz="1400" dirty="0">
+              <a:solidFill>
+                <a:schemeClr val="tx1"/>
+              </a:solidFill>
+            </a:endParaRPr>
+          </a:p>
+        </p:txBody>
+      </p:sp>
+      <p:sp>
+        <p:nvSpPr>
+          <p:cNvPr id="72" name="Oval 71"/>
+          <p:cNvSpPr/>
+          <p:nvPr/>
+        </p:nvSpPr>
+        <p:spPr>
+          <a:xfrm>
+            <a:off x="300631" y="5181319"/>
+            <a:ext cx="608948" cy="375138"/>
+          </a:xfrm>
+          <a:prstGeom prst="ellipse">
+            <a:avLst/>
+          </a:prstGeom>
+          <a:solidFill>
+            <a:schemeClr val="bg1"/>
+          </a:solidFill>
+          <a:ln w="12700">
+            <a:solidFill>
+              <a:schemeClr val="tx1"/>
+            </a:solidFill>
+          </a:ln>
+          <a:effectLst/>
+          <a:scene3d>
+            <a:camera prst="orthographicFront"/>
+            <a:lightRig rig="threePt" dir="t"/>
+          </a:scene3d>
+          <a:sp3d>
+            <a:bevelT/>
+          </a:sp3d>
+        </p:spPr>
+        <p:style>
+          <a:lnRef idx="1">
+            <a:schemeClr val="accent1"/>
+          </a:lnRef>
+          <a:fillRef idx="3">
+            <a:schemeClr val="accent1"/>
+          </a:fillRef>
+          <a:effectRef idx="2">
+            <a:schemeClr val="accent1"/>
+          </a:effectRef>
+          <a:fontRef idx="minor">
+            <a:schemeClr val="lt1"/>
+          </a:fontRef>
+        </p:style>
+        <p:txBody>
+          <a:bodyPr lIns="0" rIns="0" rtlCol="0" anchor="ctr"/>
+          <a:lstStyle/>
+          <a:p>
+            <a:pPr algn="ctr"/>
+            <a:r>
+              <a:rPr lang="en-US" sz="1050" dirty="0" smtClean="0">
+                <a:solidFill>
+                  <a:schemeClr val="tx1"/>
+                </a:solidFill>
+              </a:rPr>
+              <a:t>Math</a:t>
+            </a:r>
+            <a:endParaRPr lang="en-US" sz="1050" dirty="0">
+              <a:solidFill>
+                <a:schemeClr val="tx1"/>
+              </a:solidFill>
+            </a:endParaRPr>
+          </a:p>
+        </p:txBody>
+      </p:sp>
+      <p:sp>
+        <p:nvSpPr>
+          <p:cNvPr id="70" name="Oval 69"/>
+          <p:cNvSpPr/>
+          <p:nvPr/>
+        </p:nvSpPr>
+        <p:spPr>
+          <a:xfrm>
+            <a:off x="300631" y="4429955"/>
+            <a:ext cx="608948" cy="375138"/>
+          </a:xfrm>
+          <a:prstGeom prst="ellipse">
+            <a:avLst/>
+          </a:prstGeom>
+          <a:solidFill>
+            <a:schemeClr val="bg1"/>
+          </a:solidFill>
+          <a:ln w="12700">
+            <a:solidFill>
+              <a:schemeClr val="tx1"/>
+            </a:solidFill>
+          </a:ln>
+          <a:effectLst/>
+          <a:scene3d>
+            <a:camera prst="orthographicFront"/>
+            <a:lightRig rig="threePt" dir="t"/>
+          </a:scene3d>
+          <a:sp3d>
+            <a:bevelT/>
+          </a:sp3d>
+        </p:spPr>
+        <p:style>
+          <a:lnRef idx="1">
+            <a:schemeClr val="accent1"/>
+          </a:lnRef>
+          <a:fillRef idx="3">
+            <a:schemeClr val="accent1"/>
+          </a:fillRef>
+          <a:effectRef idx="2">
+            <a:schemeClr val="accent1"/>
+          </a:effectRef>
+          <a:fontRef idx="minor">
+            <a:schemeClr val="lt1"/>
+          </a:fontRef>
+        </p:style>
+        <p:txBody>
+          <a:bodyPr lIns="0" rIns="0" rtlCol="0" anchor="ctr"/>
+          <a:lstStyle/>
+          <a:p>
+            <a:pPr algn="ctr"/>
+            <a:r>
+              <a:rPr lang="en-US" altLang="zh-CN" sz="1050" dirty="0" smtClean="0">
+                <a:solidFill>
+                  <a:schemeClr val="tx1"/>
+                </a:solidFill>
+              </a:rPr>
+              <a:t>CS</a:t>
+            </a:r>
+            <a:endParaRPr lang="en-US" sz="1050" dirty="0">
+              <a:solidFill>
+                <a:schemeClr val="tx1"/>
+              </a:solidFill>
+            </a:endParaRPr>
+          </a:p>
+        </p:txBody>
+      </p:sp>
+      <p:grpSp>
+        <p:nvGrpSpPr>
+          <p:cNvPr id="85" name="Group 84"/>
+          <p:cNvGrpSpPr/>
+          <p:nvPr/>
+        </p:nvGrpSpPr>
+        <p:grpSpPr>
+          <a:xfrm>
+            <a:off x="1219191" y="4015801"/>
+            <a:ext cx="2311381" cy="1969543"/>
+            <a:chOff x="3636638" y="4568866"/>
+            <a:chExt cx="1134479" cy="1110977"/>
+          </a:xfrm>
+        </p:grpSpPr>
+        <p:sp>
+          <p:nvSpPr>
+            <p:cNvPr id="66" name="Rounded Rectangle 65"/>
+            <p:cNvSpPr/>
+            <p:nvPr/>
+          </p:nvSpPr>
+          <p:spPr>
+            <a:xfrm>
+              <a:off x="3636638" y="4568866"/>
+              <a:ext cx="1134479" cy="521000"/>
+            </a:xfrm>
+            <a:prstGeom prst="roundRect">
+              <a:avLst/>
+            </a:prstGeom>
+            <a:solidFill>
+              <a:schemeClr val="accent3">
+                <a:lumMod val="20000"/>
+                <a:lumOff val="80000"/>
+              </a:schemeClr>
+            </a:solidFill>
+            <a:ln w="12700">
+              <a:solidFill>
+                <a:schemeClr val="tx1"/>
+              </a:solidFill>
+            </a:ln>
+            <a:effectLst/>
+            <a:scene3d>
+              <a:camera prst="orthographicFront"/>
+              <a:lightRig rig="threePt" dir="t"/>
+            </a:scene3d>
+            <a:sp3d>
+              <a:bevelT/>
+            </a:sp3d>
+          </p:spPr>
+          <p:style>
+            <a:lnRef idx="1">
+              <a:schemeClr val="accent1"/>
+            </a:lnRef>
+            <a:fillRef idx="3">
+              <a:schemeClr val="accent1"/>
+            </a:fillRef>
+            <a:effectRef idx="2">
+              <a:schemeClr val="accent1"/>
+            </a:effectRef>
+            <a:fontRef idx="minor">
+              <a:schemeClr val="lt1"/>
+            </a:fontRef>
+          </p:style>
+          <p:txBody>
+            <a:bodyPr rtlCol="0" anchor="ctr" anchorCtr="0"/>
+            <a:lstStyle/>
+            <a:p>
+              <a:pPr algn="ctr"/>
+              <a:r>
+                <a:rPr lang="en-US" sz="1400" dirty="0" smtClean="0">
+                  <a:solidFill>
+                    <a:schemeClr val="tx1"/>
+                  </a:solidFill>
+                </a:rPr>
+                <a:t>/UCLA/CS/networking/</a:t>
+              </a:r>
+            </a:p>
+            <a:p>
+              <a:pPr algn="ctr"/>
+              <a:r>
+                <a:rPr lang="en-US" sz="1400" b="1" dirty="0" smtClean="0">
+                  <a:solidFill>
+                    <a:schemeClr val="tx1"/>
+                  </a:solidFill>
+                </a:rPr>
+                <a:t>(UCLA </a:t>
+              </a:r>
+              <a:r>
+                <a:rPr lang="en-US" sz="1400" dirty="0" smtClean="0">
+                  <a:solidFill>
+                    <a:schemeClr val="tx1"/>
+                  </a:solidFill>
+                </a:rPr>
+                <a:t>and </a:t>
+              </a:r>
+              <a:r>
+                <a:rPr lang="en-US" sz="1400" b="1" dirty="0" smtClean="0">
+                  <a:solidFill>
+                    <a:schemeClr val="tx1"/>
+                  </a:solidFill>
+                </a:rPr>
+                <a:t>Prof) or (VO1)</a:t>
+              </a:r>
+              <a:endParaRPr lang="en-US" sz="1400" b="1" dirty="0">
+                <a:solidFill>
+                  <a:schemeClr val="tx1"/>
+                </a:solidFill>
+              </a:endParaRPr>
+            </a:p>
+          </p:txBody>
+        </p:sp>
+        <p:sp>
+          <p:nvSpPr>
+            <p:cNvPr id="83" name="Rounded Rectangle 82"/>
+            <p:cNvSpPr/>
+            <p:nvPr/>
+          </p:nvSpPr>
+          <p:spPr>
+            <a:xfrm>
+              <a:off x="3636638" y="5220743"/>
+              <a:ext cx="1134479" cy="459100"/>
+            </a:xfrm>
+            <a:prstGeom prst="roundRect">
+              <a:avLst/>
+            </a:prstGeom>
+            <a:solidFill>
+              <a:schemeClr val="accent3">
+                <a:lumMod val="20000"/>
+                <a:lumOff val="80000"/>
+              </a:schemeClr>
+            </a:solidFill>
+            <a:ln w="12700">
+              <a:solidFill>
+                <a:schemeClr val="tx1"/>
+              </a:solidFill>
+            </a:ln>
+            <a:effectLst/>
+            <a:scene3d>
+              <a:camera prst="orthographicFront"/>
+              <a:lightRig rig="threePt" dir="t"/>
+            </a:scene3d>
+            <a:sp3d>
+              <a:bevelT/>
+            </a:sp3d>
+          </p:spPr>
+          <p:style>
+            <a:lnRef idx="1">
+              <a:schemeClr val="accent1"/>
+            </a:lnRef>
+            <a:fillRef idx="3">
+              <a:schemeClr val="accent1"/>
+            </a:fillRef>
+            <a:effectRef idx="2">
+              <a:schemeClr val="accent1"/>
+            </a:effectRef>
+            <a:fontRef idx="minor">
+              <a:schemeClr val="lt1"/>
+            </a:fontRef>
+          </p:style>
+          <p:txBody>
+            <a:bodyPr rtlCol="0" anchor="ctr" anchorCtr="0"/>
+            <a:lstStyle/>
+            <a:p>
+              <a:pPr algn="ctr"/>
+              <a:r>
+                <a:rPr lang="en-US" sz="1400" dirty="0" smtClean="0">
+                  <a:solidFill>
+                    <a:schemeClr val="tx1"/>
+                  </a:solidFill>
+                </a:rPr>
+                <a:t>/UCLA/MATH/n-theory/</a:t>
+              </a:r>
+            </a:p>
+            <a:p>
+              <a:pPr algn="ctr"/>
+              <a:r>
+                <a:rPr lang="en-US" sz="1400" b="1" dirty="0" smtClean="0">
+                  <a:solidFill>
+                    <a:schemeClr val="tx1"/>
+                  </a:solidFill>
+                </a:rPr>
+                <a:t>(</a:t>
+              </a:r>
+              <a:r>
+                <a:rPr lang="en-US" sz="1400" b="1" dirty="0" err="1" smtClean="0">
+                  <a:solidFill>
+                    <a:schemeClr val="tx1"/>
+                  </a:solidFill>
+                </a:rPr>
+                <a:t>PostDoc</a:t>
+              </a:r>
+              <a:r>
+                <a:rPr lang="en-US" sz="1400" b="1" dirty="0" smtClean="0">
+                  <a:solidFill>
+                    <a:schemeClr val="tx1"/>
+                  </a:solidFill>
+                </a:rPr>
+                <a:t> </a:t>
+              </a:r>
+              <a:r>
+                <a:rPr lang="en-US" sz="1400" dirty="0" smtClean="0">
+                  <a:solidFill>
+                    <a:schemeClr val="tx1"/>
+                  </a:solidFill>
+                </a:rPr>
+                <a:t>and </a:t>
+              </a:r>
+              <a:r>
+                <a:rPr lang="en-US" sz="1400" b="1" dirty="0" smtClean="0">
+                  <a:solidFill>
+                    <a:schemeClr val="tx1"/>
+                  </a:solidFill>
+                </a:rPr>
+                <a:t>UCLA) or (VO2)</a:t>
+              </a:r>
+              <a:endParaRPr lang="en-US" sz="1400" dirty="0">
+                <a:solidFill>
+                  <a:schemeClr val="tx1"/>
+                </a:solidFill>
+              </a:endParaRPr>
+            </a:p>
+          </p:txBody>
+        </p:sp>
+      </p:grpSp>
+      <p:cxnSp>
+        <p:nvCxnSpPr>
+          <p:cNvPr id="96" name="Straight Connector 95"/>
+          <p:cNvCxnSpPr>
+            <a:stCxn id="66" idx="1"/>
+            <a:endCxn id="70" idx="6"/>
+          </p:cNvCxnSpPr>
+          <p:nvPr/>
+        </p:nvCxnSpPr>
+        <p:spPr>
+          <a:xfrm flipH="1">
+            <a:off x="909579" y="4477616"/>
+            <a:ext cx="309612" cy="139908"/>
+          </a:xfrm>
+          <a:prstGeom prst="line">
+            <a:avLst/>
+          </a:prstGeom>
+          <a:ln w="19050">
+            <a:solidFill>
+              <a:schemeClr val="tx1"/>
+            </a:solidFill>
+            <a:prstDash val="dash"/>
+          </a:ln>
+          <a:effectLst/>
+        </p:spPr>
+        <p:style>
+          <a:lnRef idx="2">
+            <a:schemeClr val="accent1"/>
+          </a:lnRef>
+          <a:fillRef idx="0">
+            <a:schemeClr val="accent1"/>
+          </a:fillRef>
+          <a:effectRef idx="1">
+            <a:schemeClr val="accent1"/>
+          </a:effectRef>
+          <a:fontRef idx="minor">
+            <a:schemeClr val="tx1"/>
+          </a:fontRef>
+        </p:style>
+      </p:cxnSp>
+      <p:cxnSp>
+        <p:nvCxnSpPr>
+          <p:cNvPr id="99" name="Straight Connector 98"/>
+          <p:cNvCxnSpPr>
+            <a:stCxn id="83" idx="1"/>
+            <a:endCxn id="72" idx="6"/>
+          </p:cNvCxnSpPr>
+          <p:nvPr/>
+        </p:nvCxnSpPr>
+        <p:spPr>
+          <a:xfrm flipH="1" flipV="1">
+            <a:off x="909579" y="5368888"/>
+            <a:ext cx="309612" cy="209509"/>
+          </a:xfrm>
+          <a:prstGeom prst="line">
+            <a:avLst/>
+          </a:prstGeom>
+          <a:ln w="19050">
+            <a:solidFill>
+              <a:schemeClr val="tx1"/>
+            </a:solidFill>
+            <a:prstDash val="dash"/>
+          </a:ln>
+          <a:effectLst/>
+        </p:spPr>
+        <p:style>
+          <a:lnRef idx="2">
+            <a:schemeClr val="accent1"/>
+          </a:lnRef>
+          <a:fillRef idx="0">
+            <a:schemeClr val="accent1"/>
+          </a:fillRef>
+          <a:effectRef idx="1">
+            <a:schemeClr val="accent1"/>
+          </a:effectRef>
+          <a:fontRef idx="minor">
+            <a:schemeClr val="tx1"/>
+          </a:fontRef>
+        </p:style>
+      </p:cxnSp>
+      <p:sp>
+        <p:nvSpPr>
+          <p:cNvPr id="120" name="Oval 119"/>
+          <p:cNvSpPr/>
+          <p:nvPr/>
+        </p:nvSpPr>
+        <p:spPr>
+          <a:xfrm>
+            <a:off x="4439974" y="5153427"/>
+            <a:ext cx="443403" cy="375138"/>
+          </a:xfrm>
+          <a:prstGeom prst="ellipse">
+            <a:avLst/>
+          </a:prstGeom>
+          <a:solidFill>
+            <a:schemeClr val="bg1"/>
+          </a:solidFill>
+          <a:ln w="12700">
+            <a:solidFill>
+              <a:schemeClr val="tx1"/>
+            </a:solidFill>
+          </a:ln>
+          <a:effectLst/>
+          <a:scene3d>
+            <a:camera prst="orthographicFront"/>
+            <a:lightRig rig="threePt" dir="t"/>
+          </a:scene3d>
+          <a:sp3d>
+            <a:bevelT/>
+          </a:sp3d>
+        </p:spPr>
+        <p:style>
+          <a:lnRef idx="1">
+            <a:schemeClr val="accent1"/>
+          </a:lnRef>
+          <a:fillRef idx="3">
+            <a:schemeClr val="accent1"/>
+          </a:fillRef>
+          <a:effectRef idx="2">
+            <a:schemeClr val="accent1"/>
+          </a:effectRef>
+          <a:fontRef idx="minor">
+            <a:schemeClr val="lt1"/>
+          </a:fontRef>
+        </p:style>
+        <p:txBody>
+          <a:bodyPr lIns="0" rIns="0" rtlCol="0" anchor="ctr"/>
+          <a:lstStyle/>
+          <a:p>
+            <a:pPr algn="ctr"/>
+            <a:r>
+              <a:rPr lang="en-US" sz="1050" dirty="0" smtClean="0">
+                <a:solidFill>
+                  <a:schemeClr val="tx1"/>
+                </a:solidFill>
+              </a:rPr>
+              <a:t>Math</a:t>
+            </a:r>
+            <a:endParaRPr lang="en-US" sz="1050" dirty="0">
+              <a:solidFill>
+                <a:schemeClr val="tx1"/>
+              </a:solidFill>
+            </a:endParaRPr>
+          </a:p>
+        </p:txBody>
+      </p:sp>
+      <p:sp>
+        <p:nvSpPr>
+          <p:cNvPr id="125" name="Oval 124"/>
+          <p:cNvSpPr/>
+          <p:nvPr/>
+        </p:nvSpPr>
+        <p:spPr>
+          <a:xfrm>
+            <a:off x="4471605" y="4619470"/>
+            <a:ext cx="411772" cy="348089"/>
+          </a:xfrm>
+          <a:prstGeom prst="ellipse">
+            <a:avLst/>
+          </a:prstGeom>
+          <a:solidFill>
+            <a:schemeClr val="bg1"/>
+          </a:solidFill>
+          <a:ln w="12700">
+            <a:solidFill>
+              <a:schemeClr val="tx1"/>
+            </a:solidFill>
+          </a:ln>
+          <a:effectLst/>
+          <a:scene3d>
+            <a:camera prst="orthographicFront"/>
+            <a:lightRig rig="threePt" dir="t"/>
+          </a:scene3d>
+          <a:sp3d>
+            <a:bevelT/>
+          </a:sp3d>
+        </p:spPr>
+        <p:style>
+          <a:lnRef idx="1">
+            <a:schemeClr val="accent1"/>
+          </a:lnRef>
+          <a:fillRef idx="3">
+            <a:schemeClr val="accent1"/>
+          </a:fillRef>
+          <a:effectRef idx="2">
+            <a:schemeClr val="accent1"/>
+          </a:effectRef>
+          <a:fontRef idx="minor">
+            <a:schemeClr val="lt1"/>
+          </a:fontRef>
+        </p:style>
+        <p:txBody>
+          <a:bodyPr lIns="0" rIns="0" rtlCol="0" anchor="ctr"/>
+          <a:lstStyle/>
+          <a:p>
+            <a:pPr algn="ctr"/>
+            <a:r>
+              <a:rPr lang="en-US" sz="1050" dirty="0" smtClean="0">
+                <a:solidFill>
+                  <a:schemeClr val="tx1"/>
+                </a:solidFill>
+              </a:rPr>
+              <a:t>CS</a:t>
+            </a:r>
+            <a:endParaRPr lang="en-US" sz="1050" dirty="0">
+              <a:solidFill>
+                <a:schemeClr val="tx1"/>
+              </a:solidFill>
+            </a:endParaRPr>
+          </a:p>
+        </p:txBody>
+      </p:sp>
+      <p:grpSp>
+        <p:nvGrpSpPr>
+          <p:cNvPr id="126" name="Group 125"/>
+          <p:cNvGrpSpPr/>
+          <p:nvPr/>
+        </p:nvGrpSpPr>
+        <p:grpSpPr>
+          <a:xfrm>
+            <a:off x="5130599" y="4342449"/>
+            <a:ext cx="2694964" cy="1924165"/>
+            <a:chOff x="3646634" y="4666839"/>
+            <a:chExt cx="1140040" cy="1053065"/>
+          </a:xfrm>
+        </p:grpSpPr>
+        <p:sp>
+          <p:nvSpPr>
+            <p:cNvPr id="129" name="Rounded Rectangle 128"/>
+            <p:cNvSpPr/>
+            <p:nvPr/>
+          </p:nvSpPr>
+          <p:spPr>
+            <a:xfrm>
+              <a:off x="3646634" y="5260804"/>
+              <a:ext cx="1114488" cy="459100"/>
+            </a:xfrm>
+            <a:prstGeom prst="roundRect">
+              <a:avLst/>
+            </a:prstGeom>
+            <a:solidFill>
+              <a:schemeClr val="accent3">
+                <a:lumMod val="20000"/>
+                <a:lumOff val="80000"/>
+              </a:schemeClr>
+            </a:solidFill>
+            <a:ln w="12700">
+              <a:solidFill>
+                <a:schemeClr val="tx1"/>
+              </a:solidFill>
+            </a:ln>
+            <a:effectLst/>
+            <a:scene3d>
+              <a:camera prst="orthographicFront"/>
+              <a:lightRig rig="threePt" dir="t"/>
+            </a:scene3d>
+            <a:sp3d>
+              <a:bevelT/>
+            </a:sp3d>
+          </p:spPr>
+          <p:style>
+            <a:lnRef idx="1">
+              <a:schemeClr val="accent1"/>
+            </a:lnRef>
+            <a:fillRef idx="3">
+              <a:schemeClr val="accent1"/>
+            </a:fillRef>
+            <a:effectRef idx="2">
+              <a:schemeClr val="accent1"/>
+            </a:effectRef>
+            <a:fontRef idx="minor">
+              <a:schemeClr val="lt1"/>
+            </a:fontRef>
+          </p:style>
+          <p:txBody>
+            <a:bodyPr rtlCol="0" anchor="ctr" anchorCtr="0"/>
+            <a:lstStyle/>
+            <a:p>
+              <a:pPr algn="ctr"/>
+              <a:r>
+                <a:rPr lang="en-US" sz="1400" dirty="0" smtClean="0">
+                  <a:solidFill>
+                    <a:schemeClr val="tx1"/>
+                  </a:solidFill>
+                </a:rPr>
+                <a:t>/FIU/Math/n-theory/</a:t>
+              </a:r>
+            </a:p>
+            <a:p>
+              <a:pPr algn="ctr"/>
+              <a:r>
+                <a:rPr lang="en-US" sz="1400" b="1" dirty="0" smtClean="0">
+                  <a:solidFill>
+                    <a:schemeClr val="tx1"/>
+                  </a:solidFill>
+                </a:rPr>
+                <a:t>((</a:t>
+              </a:r>
+              <a:r>
+                <a:rPr lang="en-US" sz="1400" b="1" dirty="0" err="1" smtClean="0">
+                  <a:solidFill>
+                    <a:schemeClr val="tx1"/>
+                  </a:solidFill>
+                </a:rPr>
+                <a:t>PostDoc</a:t>
+              </a:r>
+              <a:r>
+                <a:rPr lang="en-US" sz="1400" b="1" dirty="0" smtClean="0">
+                  <a:solidFill>
+                    <a:schemeClr val="tx1"/>
+                  </a:solidFill>
+                </a:rPr>
+                <a:t> </a:t>
+              </a:r>
+              <a:r>
+                <a:rPr lang="en-US" sz="1400" dirty="0" smtClean="0">
+                  <a:solidFill>
+                    <a:schemeClr val="tx1"/>
+                  </a:solidFill>
+                </a:rPr>
+                <a:t>or</a:t>
+              </a:r>
+              <a:r>
+                <a:rPr lang="en-US" sz="1400" b="1" dirty="0" smtClean="0">
+                  <a:solidFill>
+                    <a:schemeClr val="tx1"/>
+                  </a:solidFill>
+                </a:rPr>
+                <a:t> Prof)</a:t>
+              </a:r>
+              <a:r>
+                <a:rPr lang="en-US" sz="1400" dirty="0" smtClean="0">
+                  <a:solidFill>
+                    <a:schemeClr val="tx1"/>
+                  </a:solidFill>
+                </a:rPr>
+                <a:t> and </a:t>
+              </a:r>
+              <a:r>
+                <a:rPr lang="en-US" sz="1400" b="1" dirty="0" smtClean="0">
+                  <a:solidFill>
+                    <a:schemeClr val="tx1"/>
+                  </a:solidFill>
+                </a:rPr>
+                <a:t>FIU) or (VO2)</a:t>
+              </a:r>
+              <a:endParaRPr lang="en-US" sz="1400" b="1" dirty="0">
+                <a:solidFill>
+                  <a:schemeClr val="tx1"/>
+                </a:solidFill>
+              </a:endParaRPr>
+            </a:p>
+          </p:txBody>
+        </p:sp>
+        <p:sp>
+          <p:nvSpPr>
+            <p:cNvPr id="131" name="Rounded Rectangle 130"/>
+            <p:cNvSpPr/>
+            <p:nvPr/>
+          </p:nvSpPr>
+          <p:spPr>
+            <a:xfrm>
+              <a:off x="3646634" y="4666839"/>
+              <a:ext cx="1140040" cy="459100"/>
+            </a:xfrm>
+            <a:prstGeom prst="roundRect">
+              <a:avLst/>
+            </a:prstGeom>
+            <a:solidFill>
+              <a:schemeClr val="accent3">
+                <a:lumMod val="20000"/>
+                <a:lumOff val="80000"/>
+              </a:schemeClr>
+            </a:solidFill>
+            <a:ln w="12700">
+              <a:solidFill>
+                <a:schemeClr val="tx1"/>
+              </a:solidFill>
+            </a:ln>
+            <a:effectLst/>
+            <a:scene3d>
+              <a:camera prst="orthographicFront"/>
+              <a:lightRig rig="threePt" dir="t"/>
+            </a:scene3d>
+            <a:sp3d>
+              <a:bevelT/>
+            </a:sp3d>
+          </p:spPr>
+          <p:style>
+            <a:lnRef idx="1">
+              <a:schemeClr val="accent1"/>
+            </a:lnRef>
+            <a:fillRef idx="3">
+              <a:schemeClr val="accent1"/>
+            </a:fillRef>
+            <a:effectRef idx="2">
+              <a:schemeClr val="accent1"/>
+            </a:effectRef>
+            <a:fontRef idx="minor">
+              <a:schemeClr val="lt1"/>
+            </a:fontRef>
+          </p:style>
+          <p:txBody>
+            <a:bodyPr rtlCol="0" anchor="ctr" anchorCtr="0"/>
+            <a:lstStyle/>
+            <a:p>
+              <a:pPr algn="ctr"/>
+              <a:r>
+                <a:rPr lang="en-US" sz="1400" dirty="0" smtClean="0">
+                  <a:solidFill>
+                    <a:schemeClr val="tx1"/>
+                  </a:solidFill>
+                </a:rPr>
+                <a:t>/FIU/CS/networking/</a:t>
+              </a:r>
+            </a:p>
+            <a:p>
+              <a:pPr algn="ctr"/>
+              <a:r>
+                <a:rPr lang="en-US" sz="1400" b="1" dirty="0" smtClean="0">
+                  <a:solidFill>
+                    <a:schemeClr val="tx1"/>
+                  </a:solidFill>
+                </a:rPr>
+                <a:t>(FIU </a:t>
+              </a:r>
+              <a:r>
+                <a:rPr lang="en-US" sz="1400" dirty="0" smtClean="0">
+                  <a:solidFill>
+                    <a:schemeClr val="tx1"/>
+                  </a:solidFill>
+                </a:rPr>
+                <a:t>and </a:t>
+              </a:r>
+              <a:r>
+                <a:rPr lang="en-US" sz="1400" b="1" dirty="0" smtClean="0">
+                  <a:solidFill>
+                    <a:schemeClr val="tx1"/>
+                  </a:solidFill>
+                </a:rPr>
+                <a:t>(Prof </a:t>
+              </a:r>
+              <a:r>
+                <a:rPr lang="en-US" sz="1400" dirty="0" smtClean="0">
+                  <a:solidFill>
+                    <a:schemeClr val="tx1"/>
+                  </a:solidFill>
+                </a:rPr>
+                <a:t>or </a:t>
+              </a:r>
+              <a:r>
+                <a:rPr lang="en-US" sz="1400" b="1" dirty="0" smtClean="0">
+                  <a:solidFill>
+                    <a:schemeClr val="tx1"/>
+                  </a:solidFill>
+                </a:rPr>
+                <a:t>Stu </a:t>
+              </a:r>
+              <a:r>
+                <a:rPr lang="en-US" sz="1400" dirty="0" smtClean="0">
+                  <a:solidFill>
+                    <a:schemeClr val="tx1"/>
+                  </a:solidFill>
+                </a:rPr>
+                <a:t>or </a:t>
+              </a:r>
+              <a:r>
+                <a:rPr lang="en-US" sz="1400" b="1" dirty="0" err="1" smtClean="0">
+                  <a:solidFill>
+                    <a:schemeClr val="tx1"/>
+                  </a:solidFill>
+                </a:rPr>
+                <a:t>PostDoc</a:t>
+              </a:r>
+              <a:r>
+                <a:rPr lang="en-US" sz="1400" b="1" dirty="0" smtClean="0">
+                  <a:solidFill>
+                    <a:schemeClr val="tx1"/>
+                  </a:solidFill>
+                </a:rPr>
+                <a:t>))</a:t>
+              </a:r>
+              <a:r>
+                <a:rPr lang="en-US" sz="1400" b="1" dirty="0">
+                  <a:solidFill>
+                    <a:schemeClr val="tx1"/>
+                  </a:solidFill>
+                </a:rPr>
+                <a:t> </a:t>
+              </a:r>
+              <a:r>
+                <a:rPr lang="en-US" sz="1400" b="1" dirty="0" smtClean="0">
+                  <a:solidFill>
+                    <a:schemeClr val="tx1"/>
+                  </a:solidFill>
+                </a:rPr>
+                <a:t>or (VO1)</a:t>
+              </a:r>
+            </a:p>
+          </p:txBody>
+        </p:sp>
+      </p:grpSp>
+      <p:cxnSp>
+        <p:nvCxnSpPr>
+          <p:cNvPr id="138" name="Straight Connector 137"/>
+          <p:cNvCxnSpPr>
+            <a:stCxn id="131" idx="1"/>
+            <a:endCxn id="125" idx="6"/>
+          </p:cNvCxnSpPr>
+          <p:nvPr/>
+        </p:nvCxnSpPr>
+        <p:spPr>
+          <a:xfrm flipH="1">
+            <a:off x="4883377" y="4761884"/>
+            <a:ext cx="247222" cy="31631"/>
+          </a:xfrm>
+          <a:prstGeom prst="line">
+            <a:avLst/>
+          </a:prstGeom>
+          <a:ln w="19050">
+            <a:solidFill>
+              <a:schemeClr val="tx1"/>
+            </a:solidFill>
+            <a:prstDash val="dash"/>
+          </a:ln>
+          <a:effectLst/>
+        </p:spPr>
+        <p:style>
+          <a:lnRef idx="2">
+            <a:schemeClr val="accent1"/>
+          </a:lnRef>
+          <a:fillRef idx="0">
+            <a:schemeClr val="accent1"/>
+          </a:fillRef>
+          <a:effectRef idx="1">
+            <a:schemeClr val="accent1"/>
+          </a:effectRef>
+          <a:fontRef idx="minor">
+            <a:schemeClr val="tx1"/>
+          </a:fontRef>
+        </p:style>
+      </p:cxnSp>
+      <p:cxnSp>
+        <p:nvCxnSpPr>
+          <p:cNvPr id="139" name="Straight Connector 138"/>
+          <p:cNvCxnSpPr>
+            <a:stCxn id="129" idx="1"/>
+            <a:endCxn id="120" idx="6"/>
+          </p:cNvCxnSpPr>
+          <p:nvPr/>
+        </p:nvCxnSpPr>
+        <p:spPr>
+          <a:xfrm flipH="1" flipV="1">
+            <a:off x="4883377" y="5340996"/>
+            <a:ext cx="247222" cy="506183"/>
+          </a:xfrm>
+          <a:prstGeom prst="line">
+            <a:avLst/>
+          </a:prstGeom>
+          <a:ln w="19050">
+            <a:solidFill>
+              <a:schemeClr val="tx1"/>
+            </a:solidFill>
+            <a:prstDash val="dash"/>
+          </a:ln>
+          <a:effectLst/>
+        </p:spPr>
+        <p:style>
+          <a:lnRef idx="2">
+            <a:schemeClr val="accent1"/>
+          </a:lnRef>
+          <a:fillRef idx="0">
+            <a:schemeClr val="accent1"/>
+          </a:fillRef>
+          <a:effectRef idx="1">
+            <a:schemeClr val="accent1"/>
+          </a:effectRef>
+          <a:fontRef idx="minor">
+            <a:schemeClr val="tx1"/>
+          </a:fontRef>
+        </p:style>
+      </p:cxnSp>
+      <p:cxnSp>
+        <p:nvCxnSpPr>
+          <p:cNvPr id="143" name="Straight Connector 142"/>
+          <p:cNvCxnSpPr>
+            <a:stCxn id="114" idx="0"/>
+          </p:cNvCxnSpPr>
+          <p:nvPr/>
+        </p:nvCxnSpPr>
+        <p:spPr>
+          <a:xfrm flipH="1" flipV="1">
+            <a:off x="4219288" y="2424550"/>
+            <a:ext cx="1986915" cy="984996"/>
+          </a:xfrm>
+          <a:prstGeom prst="line">
+            <a:avLst/>
+          </a:prstGeom>
+          <a:ln w="19050">
+            <a:solidFill>
+              <a:schemeClr val="tx1"/>
+            </a:solidFill>
+          </a:ln>
+          <a:effectLst/>
+        </p:spPr>
+        <p:style>
+          <a:lnRef idx="2">
+            <a:schemeClr val="accent1"/>
+          </a:lnRef>
+          <a:fillRef idx="0">
+            <a:schemeClr val="accent1"/>
+          </a:fillRef>
+          <a:effectRef idx="1">
+            <a:schemeClr val="accent1"/>
+          </a:effectRef>
+          <a:fontRef idx="minor">
+            <a:schemeClr val="tx1"/>
+          </a:fontRef>
+        </p:style>
+      </p:cxnSp>
+      <p:sp>
+        <p:nvSpPr>
+          <p:cNvPr id="108" name="Rounded Rectangle 107"/>
+          <p:cNvSpPr/>
+          <p:nvPr/>
+        </p:nvSpPr>
+        <p:spPr>
+          <a:xfrm>
+            <a:off x="428722" y="3199668"/>
+            <a:ext cx="1352359" cy="588253"/>
+          </a:xfrm>
+          <a:prstGeom prst="roundRect">
+            <a:avLst/>
+          </a:prstGeom>
+          <a:solidFill>
+            <a:schemeClr val="bg1"/>
+          </a:solidFill>
+          <a:ln w="12700">
+            <a:solidFill>
+              <a:schemeClr val="tx1"/>
+            </a:solidFill>
+          </a:ln>
+          <a:effectLst/>
+          <a:scene3d>
+            <a:camera prst="orthographicFront"/>
+            <a:lightRig rig="threePt" dir="t"/>
+          </a:scene3d>
+          <a:sp3d>
+            <a:bevelT/>
+          </a:sp3d>
+        </p:spPr>
+        <p:style>
+          <a:lnRef idx="1">
+            <a:schemeClr val="accent1"/>
+          </a:lnRef>
+          <a:fillRef idx="3">
+            <a:schemeClr val="accent1"/>
+          </a:fillRef>
+          <a:effectRef idx="2">
+            <a:schemeClr val="accent1"/>
+          </a:effectRef>
+          <a:fontRef idx="minor">
+            <a:schemeClr val="lt1"/>
+          </a:fontRef>
+        </p:style>
+        <p:txBody>
+          <a:bodyPr rtlCol="0" anchor="ctr" anchorCtr="0"/>
+          <a:lstStyle/>
+          <a:p>
+            <a:pPr algn="ctr"/>
+            <a:r>
+              <a:rPr lang="en-US" sz="1400" dirty="0" smtClean="0">
+                <a:solidFill>
+                  <a:schemeClr val="tx1"/>
+                </a:solidFill>
+              </a:rPr>
+              <a:t>UCLA Data </a:t>
+            </a:r>
+            <a:r>
+              <a:rPr lang="en-US" sz="1400" dirty="0" smtClean="0">
+                <a:solidFill>
+                  <a:schemeClr val="tx1"/>
+                </a:solidFill>
+              </a:rPr>
+              <a:t>Manager (Data Owner)</a:t>
+            </a:r>
+            <a:endParaRPr lang="en-US" sz="1400" dirty="0">
+              <a:solidFill>
+                <a:schemeClr val="tx1"/>
+              </a:solidFill>
+            </a:endParaRPr>
+          </a:p>
+        </p:txBody>
+      </p:sp>
+      <p:sp>
+        <p:nvSpPr>
+          <p:cNvPr id="109" name="Rounded Rectangle 108"/>
+          <p:cNvSpPr/>
+          <p:nvPr/>
+        </p:nvSpPr>
+        <p:spPr>
+          <a:xfrm>
+            <a:off x="4645060" y="3611430"/>
+            <a:ext cx="1326026" cy="599525"/>
+          </a:xfrm>
+          <a:prstGeom prst="roundRect">
+            <a:avLst/>
+          </a:prstGeom>
+          <a:solidFill>
+            <a:schemeClr val="bg1"/>
+          </a:solidFill>
+          <a:ln w="12700">
+            <a:solidFill>
+              <a:schemeClr val="tx1"/>
+            </a:solidFill>
+          </a:ln>
+          <a:effectLst/>
+          <a:scene3d>
+            <a:camera prst="orthographicFront"/>
+            <a:lightRig rig="threePt" dir="t"/>
+          </a:scene3d>
+          <a:sp3d>
+            <a:bevelT/>
+          </a:sp3d>
+        </p:spPr>
+        <p:style>
+          <a:lnRef idx="1">
+            <a:schemeClr val="accent1"/>
+          </a:lnRef>
+          <a:fillRef idx="3">
+            <a:schemeClr val="accent1"/>
+          </a:fillRef>
+          <a:effectRef idx="2">
+            <a:schemeClr val="accent1"/>
+          </a:effectRef>
+          <a:fontRef idx="minor">
+            <a:schemeClr val="lt1"/>
+          </a:fontRef>
+        </p:style>
+        <p:txBody>
+          <a:bodyPr rtlCol="0" anchor="ctr" anchorCtr="0"/>
+          <a:lstStyle/>
+          <a:p>
+            <a:pPr algn="ctr"/>
+            <a:r>
+              <a:rPr lang="en-US" sz="1400" dirty="0" smtClean="0">
+                <a:solidFill>
+                  <a:schemeClr val="tx1"/>
+                </a:solidFill>
+              </a:rPr>
+              <a:t>FIU Data Manager</a:t>
+            </a:r>
+            <a:endParaRPr lang="en-US" sz="1400" dirty="0">
+              <a:solidFill>
+                <a:schemeClr val="tx1"/>
+              </a:solidFill>
+            </a:endParaRPr>
+          </a:p>
+        </p:txBody>
+      </p:sp>
+      <p:cxnSp>
+        <p:nvCxnSpPr>
+          <p:cNvPr id="64" name="Straight Connector 63"/>
+          <p:cNvCxnSpPr>
+            <a:stCxn id="90" idx="1"/>
+            <a:endCxn id="9" idx="3"/>
+          </p:cNvCxnSpPr>
+          <p:nvPr/>
+        </p:nvCxnSpPr>
+        <p:spPr>
+          <a:xfrm flipH="1">
+            <a:off x="4645060" y="1547328"/>
+            <a:ext cx="439106" cy="183111"/>
+          </a:xfrm>
+          <a:prstGeom prst="line">
+            <a:avLst/>
+          </a:prstGeom>
+          <a:ln w="19050">
+            <a:solidFill>
+              <a:schemeClr val="tx1"/>
+            </a:solidFill>
+          </a:ln>
+          <a:effectLst/>
+        </p:spPr>
+        <p:style>
+          <a:lnRef idx="2">
+            <a:schemeClr val="accent1"/>
+          </a:lnRef>
+          <a:fillRef idx="0">
+            <a:schemeClr val="accent1"/>
+          </a:fillRef>
+          <a:effectRef idx="1">
+            <a:schemeClr val="accent1"/>
+          </a:effectRef>
+          <a:fontRef idx="minor">
+            <a:schemeClr val="tx1"/>
+          </a:fontRef>
+        </p:style>
+      </p:cxnSp>
+      <p:sp>
+        <p:nvSpPr>
+          <p:cNvPr id="141" name="Oval 140"/>
+          <p:cNvSpPr/>
+          <p:nvPr/>
+        </p:nvSpPr>
+        <p:spPr>
+          <a:xfrm>
+            <a:off x="5254194" y="307274"/>
+            <a:ext cx="1855399" cy="2458004"/>
+          </a:xfrm>
+          <a:prstGeom prst="ellipse">
+            <a:avLst/>
+          </a:prstGeom>
+          <a:solidFill>
+            <a:schemeClr val="bg1"/>
+          </a:solidFill>
+          <a:ln w="12700">
+            <a:solidFill>
+              <a:schemeClr val="tx1"/>
+            </a:solidFill>
+          </a:ln>
+          <a:effectLst/>
+          <a:scene3d>
+            <a:camera prst="orthographicFront"/>
+            <a:lightRig rig="threePt" dir="t"/>
+          </a:scene3d>
+          <a:sp3d>
+            <a:bevelT/>
+          </a:sp3d>
+        </p:spPr>
+        <p:style>
+          <a:lnRef idx="1">
+            <a:schemeClr val="accent1"/>
+          </a:lnRef>
+          <a:fillRef idx="3">
+            <a:schemeClr val="accent1"/>
+          </a:fillRef>
+          <a:effectRef idx="2">
+            <a:schemeClr val="accent1"/>
+          </a:effectRef>
+          <a:fontRef idx="minor">
+            <a:schemeClr val="lt1"/>
+          </a:fontRef>
+        </p:style>
+        <p:txBody>
+          <a:bodyPr lIns="0" rIns="0" rtlCol="0" anchor="ctr"/>
+          <a:lstStyle/>
+          <a:p>
+            <a:pPr algn="ctr"/>
+            <a:r>
+              <a:rPr lang="en-US" b="1" dirty="0" smtClean="0">
+                <a:solidFill>
+                  <a:schemeClr val="tx1"/>
+                </a:solidFill>
+              </a:rPr>
+              <a:t>Attribute Authority:</a:t>
+            </a:r>
+          </a:p>
+          <a:p>
+            <a:pPr algn="ctr"/>
+            <a:r>
+              <a:rPr lang="en-US" dirty="0" smtClean="0">
+                <a:solidFill>
+                  <a:schemeClr val="tx1"/>
+                </a:solidFill>
+              </a:rPr>
+              <a:t>Stu, Prof,</a:t>
+            </a:r>
+          </a:p>
+          <a:p>
+            <a:pPr algn="ctr"/>
+            <a:r>
+              <a:rPr lang="en-US" dirty="0" err="1" smtClean="0">
+                <a:solidFill>
+                  <a:schemeClr val="tx1"/>
+                </a:solidFill>
+              </a:rPr>
+              <a:t>PostDoc</a:t>
+            </a:r>
+            <a:r>
+              <a:rPr lang="en-US" dirty="0" smtClean="0">
+                <a:solidFill>
+                  <a:schemeClr val="tx1"/>
+                </a:solidFill>
+              </a:rPr>
+              <a:t>, UCLA, FIU,</a:t>
+            </a:r>
+          </a:p>
+          <a:p>
+            <a:pPr algn="ctr"/>
+            <a:r>
+              <a:rPr lang="en-US" dirty="0" smtClean="0">
+                <a:solidFill>
+                  <a:schemeClr val="tx1"/>
+                </a:solidFill>
+              </a:rPr>
+              <a:t>VO1, VO2</a:t>
+            </a:r>
+            <a:endParaRPr lang="en-US" dirty="0">
+              <a:solidFill>
+                <a:schemeClr val="tx1"/>
+              </a:solidFill>
+            </a:endParaRPr>
+          </a:p>
+        </p:txBody>
+      </p:sp>
+      <p:grpSp>
+        <p:nvGrpSpPr>
+          <p:cNvPr id="104" name="Group 103"/>
+          <p:cNvGrpSpPr/>
+          <p:nvPr/>
+        </p:nvGrpSpPr>
+        <p:grpSpPr>
+          <a:xfrm>
+            <a:off x="7292472" y="434930"/>
+            <a:ext cx="1700512" cy="2269303"/>
+            <a:chOff x="6748564" y="2050181"/>
+            <a:chExt cx="2020298" cy="2357696"/>
+          </a:xfrm>
+        </p:grpSpPr>
+        <p:sp>
+          <p:nvSpPr>
+            <p:cNvPr id="113" name="Can 112"/>
+            <p:cNvSpPr/>
+            <p:nvPr/>
+          </p:nvSpPr>
+          <p:spPr>
+            <a:xfrm>
+              <a:off x="6748564" y="2050181"/>
+              <a:ext cx="2020298" cy="2357696"/>
+            </a:xfrm>
+            <a:prstGeom prst="can">
+              <a:avLst>
+                <a:gd name="adj" fmla="val 21854"/>
+              </a:avLst>
+            </a:prstGeom>
+            <a:solidFill>
+              <a:schemeClr val="bg1"/>
+            </a:solidFill>
+            <a:ln w="12700">
+              <a:solidFill>
+                <a:schemeClr val="tx1"/>
+              </a:solidFill>
+            </a:ln>
+            <a:effectLst>
+              <a:outerShdw blurRad="50800" dist="12700" dir="2700000" algn="tl" rotWithShape="0">
+                <a:prstClr val="black">
+                  <a:alpha val="40000"/>
+                </a:prstClr>
+              </a:outerShdw>
+            </a:effectLst>
+            <a:scene3d>
+              <a:camera prst="orthographicFront"/>
+              <a:lightRig rig="threePt" dir="t"/>
+            </a:scene3d>
+            <a:sp3d/>
+          </p:spPr>
+          <p:style>
+            <a:lnRef idx="1">
+              <a:schemeClr val="accent1"/>
+            </a:lnRef>
+            <a:fillRef idx="3">
+              <a:schemeClr val="accent1"/>
+            </a:fillRef>
+            <a:effectRef idx="2">
+              <a:schemeClr val="accent1"/>
+            </a:effectRef>
+            <a:fontRef idx="minor">
+              <a:schemeClr val="lt1"/>
+            </a:fontRef>
+          </p:style>
+          <p:txBody>
+            <a:bodyPr rtlCol="0" anchor="ctr"/>
+            <a:lstStyle/>
+            <a:p>
+              <a:pPr algn="ctr"/>
+              <a:endParaRPr lang="en-US" sz="1200" dirty="0">
+                <a:solidFill>
+                  <a:schemeClr val="tx1"/>
+                </a:solidFill>
+              </a:endParaRPr>
+            </a:p>
+          </p:txBody>
+        </p:sp>
+        <p:sp>
+          <p:nvSpPr>
+            <p:cNvPr id="115" name="TextBox 114"/>
+            <p:cNvSpPr txBox="1"/>
+            <p:nvPr/>
+          </p:nvSpPr>
+          <p:spPr>
+            <a:xfrm>
+              <a:off x="6819570" y="2050181"/>
+              <a:ext cx="1941089" cy="319765"/>
+            </a:xfrm>
+            <a:prstGeom prst="rect">
+              <a:avLst/>
+            </a:prstGeom>
+            <a:noFill/>
+          </p:spPr>
+          <p:txBody>
+            <a:bodyPr wrap="none" rtlCol="0">
+              <a:spAutoFit/>
+            </a:bodyPr>
+            <a:lstStyle/>
+            <a:p>
+              <a:r>
+                <a:rPr lang="en-US" sz="1400" dirty="0" smtClean="0"/>
+                <a:t>VO1: networking</a:t>
+              </a:r>
+              <a:endParaRPr lang="en-US" sz="1400" dirty="0"/>
+            </a:p>
+          </p:txBody>
+        </p:sp>
+      </p:grpSp>
+      <p:sp>
+        <p:nvSpPr>
+          <p:cNvPr id="152" name="Rounded Rectangle 151"/>
+          <p:cNvSpPr/>
+          <p:nvPr/>
+        </p:nvSpPr>
+        <p:spPr>
+          <a:xfrm>
+            <a:off x="7414089" y="1215194"/>
+            <a:ext cx="1274400" cy="463858"/>
+          </a:xfrm>
+          <a:prstGeom prst="roundRect">
+            <a:avLst/>
+          </a:prstGeom>
+          <a:solidFill>
+            <a:schemeClr val="accent3">
+              <a:lumMod val="20000"/>
+              <a:lumOff val="80000"/>
+            </a:schemeClr>
+          </a:solidFill>
+          <a:ln w="12700">
+            <a:solidFill>
+              <a:schemeClr val="tx1"/>
+            </a:solidFill>
+          </a:ln>
+          <a:effectLst/>
+          <a:scene3d>
+            <a:camera prst="orthographicFront"/>
+            <a:lightRig rig="threePt" dir="t"/>
+          </a:scene3d>
+          <a:sp3d>
+            <a:bevelT/>
+          </a:sp3d>
+        </p:spPr>
+        <p:style>
+          <a:lnRef idx="1">
+            <a:schemeClr val="accent1"/>
+          </a:lnRef>
+          <a:fillRef idx="3">
+            <a:schemeClr val="accent1"/>
+          </a:fillRef>
+          <a:effectRef idx="2">
+            <a:schemeClr val="accent1"/>
+          </a:effectRef>
+          <a:fontRef idx="minor">
+            <a:schemeClr val="lt1"/>
+          </a:fontRef>
+        </p:style>
+        <p:txBody>
+          <a:bodyPr rtlCol="0" anchor="ctr" anchorCtr="0"/>
+          <a:lstStyle/>
+          <a:p>
+            <a:pPr algn="ctr"/>
+            <a:r>
+              <a:rPr lang="en-US" sz="1200" dirty="0" smtClean="0">
+                <a:solidFill>
+                  <a:schemeClr val="tx1"/>
+                </a:solidFill>
+              </a:rPr>
+              <a:t>/UCLA/CS/..</a:t>
+            </a:r>
+            <a:endParaRPr lang="en-US" sz="1200" dirty="0">
+              <a:solidFill>
+                <a:schemeClr val="tx1"/>
+              </a:solidFill>
+            </a:endParaRPr>
+          </a:p>
+        </p:txBody>
+      </p:sp>
+      <p:sp>
+        <p:nvSpPr>
+          <p:cNvPr id="154" name="Rounded Rectangle 153"/>
+          <p:cNvSpPr/>
+          <p:nvPr/>
+        </p:nvSpPr>
+        <p:spPr>
+          <a:xfrm>
+            <a:off x="7421261" y="1904758"/>
+            <a:ext cx="1267227" cy="459100"/>
+          </a:xfrm>
+          <a:prstGeom prst="roundRect">
+            <a:avLst/>
+          </a:prstGeom>
+          <a:solidFill>
+            <a:schemeClr val="accent3">
+              <a:lumMod val="20000"/>
+              <a:lumOff val="80000"/>
+            </a:schemeClr>
+          </a:solidFill>
+          <a:ln w="12700">
+            <a:solidFill>
+              <a:schemeClr val="tx1"/>
+            </a:solidFill>
+          </a:ln>
+          <a:effectLst/>
+          <a:scene3d>
+            <a:camera prst="orthographicFront"/>
+            <a:lightRig rig="threePt" dir="t"/>
+          </a:scene3d>
+          <a:sp3d>
+            <a:bevelT/>
+          </a:sp3d>
+        </p:spPr>
+        <p:style>
+          <a:lnRef idx="1">
+            <a:schemeClr val="accent1"/>
+          </a:lnRef>
+          <a:fillRef idx="3">
+            <a:schemeClr val="accent1"/>
+          </a:fillRef>
+          <a:effectRef idx="2">
+            <a:schemeClr val="accent1"/>
+          </a:effectRef>
+          <a:fontRef idx="minor">
+            <a:schemeClr val="lt1"/>
+          </a:fontRef>
+        </p:style>
+        <p:txBody>
+          <a:bodyPr rtlCol="0" anchor="ctr" anchorCtr="0"/>
+          <a:lstStyle/>
+          <a:p>
+            <a:pPr algn="ctr"/>
+            <a:r>
+              <a:rPr lang="en-US" sz="1100" dirty="0" smtClean="0">
+                <a:solidFill>
+                  <a:schemeClr val="tx1"/>
+                </a:solidFill>
+              </a:rPr>
+              <a:t>/FIU/CS/..</a:t>
+            </a:r>
+            <a:endParaRPr lang="en-US" sz="1100" dirty="0">
+              <a:solidFill>
+                <a:schemeClr val="tx1"/>
+              </a:solidFill>
+            </a:endParaRPr>
+          </a:p>
+        </p:txBody>
+      </p:sp>
+      <p:sp>
+        <p:nvSpPr>
+          <p:cNvPr id="2" name="TextBox 1"/>
+          <p:cNvSpPr txBox="1"/>
+          <p:nvPr/>
+        </p:nvSpPr>
+        <p:spPr>
+          <a:xfrm>
+            <a:off x="432272" y="307274"/>
+            <a:ext cx="3190682" cy="584775"/>
+          </a:xfrm>
+          <a:prstGeom prst="rect">
+            <a:avLst/>
+          </a:prstGeom>
+          <a:noFill/>
+        </p:spPr>
+        <p:txBody>
+          <a:bodyPr wrap="none" rtlCol="0">
+            <a:spAutoFit/>
+          </a:bodyPr>
+          <a:lstStyle/>
+          <a:p>
+            <a:r>
+              <a:rPr lang="en-US" sz="3200" dirty="0" smtClean="0"/>
+              <a:t>Concrete Example</a:t>
+            </a:r>
+            <a:endParaRPr lang="en-US" sz="3200" dirty="0"/>
+          </a:p>
+        </p:txBody>
+      </p:sp>
+      <p:sp>
+        <p:nvSpPr>
+          <p:cNvPr id="54" name="Rounded Rectangle 53"/>
+          <p:cNvSpPr/>
+          <p:nvPr/>
+        </p:nvSpPr>
+        <p:spPr>
+          <a:xfrm>
+            <a:off x="2034839" y="3194031"/>
+            <a:ext cx="1250355" cy="599525"/>
+          </a:xfrm>
+          <a:prstGeom prst="roundRect">
+            <a:avLst/>
+          </a:prstGeom>
+          <a:solidFill>
+            <a:schemeClr val="bg1"/>
+          </a:solidFill>
+          <a:ln w="12700">
+            <a:solidFill>
+              <a:schemeClr val="tx1"/>
+            </a:solidFill>
+          </a:ln>
+          <a:effectLst/>
+          <a:scene3d>
+            <a:camera prst="orthographicFront"/>
+            <a:lightRig rig="threePt" dir="t"/>
+          </a:scene3d>
+          <a:sp3d>
+            <a:bevelT/>
+          </a:sp3d>
+        </p:spPr>
+        <p:style>
+          <a:lnRef idx="1">
+            <a:schemeClr val="accent1"/>
+          </a:lnRef>
+          <a:fillRef idx="3">
+            <a:schemeClr val="accent1"/>
+          </a:fillRef>
+          <a:effectRef idx="2">
+            <a:schemeClr val="accent1"/>
+          </a:effectRef>
+          <a:fontRef idx="minor">
+            <a:schemeClr val="lt1"/>
+          </a:fontRef>
+        </p:style>
+        <p:txBody>
+          <a:bodyPr rtlCol="0" anchor="ctr" anchorCtr="0"/>
+          <a:lstStyle/>
+          <a:p>
+            <a:pPr algn="ctr"/>
+            <a:r>
+              <a:rPr lang="en-US" sz="1400" dirty="0" smtClean="0">
+                <a:solidFill>
+                  <a:schemeClr val="tx1"/>
+                </a:solidFill>
+              </a:rPr>
+              <a:t>UCLA Token Issuer</a:t>
+            </a:r>
+            <a:endParaRPr lang="en-US" sz="1400" dirty="0">
+              <a:solidFill>
+                <a:schemeClr val="tx1"/>
+              </a:solidFill>
+            </a:endParaRPr>
+          </a:p>
+        </p:txBody>
+      </p:sp>
+      <p:sp>
+        <p:nvSpPr>
+          <p:cNvPr id="65" name="Rounded Rectangle 64"/>
+          <p:cNvSpPr/>
+          <p:nvPr/>
+        </p:nvSpPr>
+        <p:spPr>
+          <a:xfrm>
+            <a:off x="6205284" y="3611430"/>
+            <a:ext cx="1250355" cy="599525"/>
+          </a:xfrm>
+          <a:prstGeom prst="roundRect">
+            <a:avLst/>
+          </a:prstGeom>
+          <a:solidFill>
+            <a:schemeClr val="bg1"/>
+          </a:solidFill>
+          <a:ln w="12700">
+            <a:solidFill>
+              <a:schemeClr val="tx1"/>
+            </a:solidFill>
+          </a:ln>
+          <a:effectLst/>
+          <a:scene3d>
+            <a:camera prst="orthographicFront"/>
+            <a:lightRig rig="threePt" dir="t"/>
+          </a:scene3d>
+          <a:sp3d>
+            <a:bevelT/>
+          </a:sp3d>
+        </p:spPr>
+        <p:style>
+          <a:lnRef idx="1">
+            <a:schemeClr val="accent1"/>
+          </a:lnRef>
+          <a:fillRef idx="3">
+            <a:schemeClr val="accent1"/>
+          </a:fillRef>
+          <a:effectRef idx="2">
+            <a:schemeClr val="accent1"/>
+          </a:effectRef>
+          <a:fontRef idx="minor">
+            <a:schemeClr val="lt1"/>
+          </a:fontRef>
+        </p:style>
+        <p:txBody>
+          <a:bodyPr rtlCol="0" anchor="ctr" anchorCtr="0"/>
+          <a:lstStyle/>
+          <a:p>
+            <a:pPr algn="ctr"/>
+            <a:r>
+              <a:rPr lang="en-US" sz="1400" dirty="0" smtClean="0">
+                <a:solidFill>
+                  <a:schemeClr val="tx1"/>
+                </a:solidFill>
+              </a:rPr>
+              <a:t>FIU Token Issuer</a:t>
+            </a:r>
+            <a:endParaRPr lang="en-US" sz="1400" dirty="0">
+              <a:solidFill>
+                <a:schemeClr val="tx1"/>
+              </a:solidFill>
+            </a:endParaRPr>
+          </a:p>
+        </p:txBody>
+      </p:sp>
+      <p:sp>
+        <p:nvSpPr>
+          <p:cNvPr id="12" name="TextBox 11"/>
+          <p:cNvSpPr txBox="1"/>
+          <p:nvPr/>
+        </p:nvSpPr>
+        <p:spPr>
+          <a:xfrm>
+            <a:off x="9520536" y="3700557"/>
+            <a:ext cx="1680268" cy="369332"/>
+          </a:xfrm>
+          <a:prstGeom prst="rect">
+            <a:avLst/>
+          </a:prstGeom>
+          <a:noFill/>
+        </p:spPr>
+        <p:txBody>
+          <a:bodyPr wrap="none" rtlCol="0">
+            <a:spAutoFit/>
+          </a:bodyPr>
+          <a:lstStyle/>
+          <a:p>
+            <a:r>
+              <a:rPr lang="en-US" dirty="0" smtClean="0"/>
+              <a:t>UCLA, Prof, VO1</a:t>
+            </a:r>
+            <a:endParaRPr lang="en-US" dirty="0"/>
+          </a:p>
+        </p:txBody>
+      </p:sp>
+      <p:sp>
+        <p:nvSpPr>
+          <p:cNvPr id="67" name="TextBox 66"/>
+          <p:cNvSpPr txBox="1"/>
+          <p:nvPr/>
+        </p:nvSpPr>
+        <p:spPr>
+          <a:xfrm>
+            <a:off x="9520536" y="4567144"/>
+            <a:ext cx="2577565" cy="369332"/>
+          </a:xfrm>
+          <a:prstGeom prst="rect">
+            <a:avLst/>
+          </a:prstGeom>
+          <a:noFill/>
+        </p:spPr>
+        <p:txBody>
+          <a:bodyPr wrap="none" rtlCol="0">
+            <a:spAutoFit/>
+          </a:bodyPr>
+          <a:lstStyle/>
+          <a:p>
+            <a:r>
+              <a:rPr lang="en-US" dirty="0" smtClean="0"/>
+              <a:t>UCLA, </a:t>
+            </a:r>
+            <a:r>
+              <a:rPr lang="en-US" dirty="0" err="1" smtClean="0"/>
+              <a:t>PostDoc</a:t>
+            </a:r>
+            <a:r>
+              <a:rPr lang="en-US" dirty="0" smtClean="0"/>
+              <a:t>, VO1, VO2</a:t>
+            </a:r>
+            <a:endParaRPr lang="en-US" dirty="0"/>
+          </a:p>
+        </p:txBody>
+      </p:sp>
+      <p:sp>
+        <p:nvSpPr>
+          <p:cNvPr id="79" name="TextBox 78"/>
+          <p:cNvSpPr txBox="1"/>
+          <p:nvPr/>
+        </p:nvSpPr>
+        <p:spPr>
+          <a:xfrm>
+            <a:off x="9520536" y="5427744"/>
+            <a:ext cx="1993238" cy="369332"/>
+          </a:xfrm>
+          <a:prstGeom prst="rect">
+            <a:avLst/>
+          </a:prstGeom>
+          <a:noFill/>
+        </p:spPr>
+        <p:txBody>
+          <a:bodyPr wrap="none" rtlCol="0">
+            <a:spAutoFit/>
+          </a:bodyPr>
+          <a:lstStyle/>
+          <a:p>
+            <a:r>
+              <a:rPr lang="en-US" dirty="0" smtClean="0"/>
+              <a:t>FIU, Prof, VO1, VO2</a:t>
+            </a:r>
+            <a:endParaRPr lang="en-US" dirty="0"/>
+          </a:p>
+        </p:txBody>
+      </p:sp>
+      <p:grpSp>
+        <p:nvGrpSpPr>
+          <p:cNvPr id="80" name="Group 79"/>
+          <p:cNvGrpSpPr/>
+          <p:nvPr/>
+        </p:nvGrpSpPr>
+        <p:grpSpPr>
+          <a:xfrm>
+            <a:off x="9142965" y="434930"/>
+            <a:ext cx="1734142" cy="2269303"/>
+            <a:chOff x="6748564" y="2050181"/>
+            <a:chExt cx="2020298" cy="2357696"/>
+          </a:xfrm>
+        </p:grpSpPr>
+        <p:sp>
+          <p:nvSpPr>
+            <p:cNvPr id="81" name="Can 80"/>
+            <p:cNvSpPr/>
+            <p:nvPr/>
+          </p:nvSpPr>
+          <p:spPr>
+            <a:xfrm>
+              <a:off x="6748564" y="2050181"/>
+              <a:ext cx="2020298" cy="2357696"/>
+            </a:xfrm>
+            <a:prstGeom prst="can">
+              <a:avLst>
+                <a:gd name="adj" fmla="val 21854"/>
+              </a:avLst>
+            </a:prstGeom>
+            <a:solidFill>
+              <a:schemeClr val="bg1"/>
+            </a:solidFill>
+            <a:ln w="12700">
+              <a:solidFill>
+                <a:schemeClr val="tx1"/>
+              </a:solidFill>
+            </a:ln>
+            <a:effectLst>
+              <a:outerShdw blurRad="50800" dist="12700" dir="2700000" algn="tl" rotWithShape="0">
+                <a:prstClr val="black">
+                  <a:alpha val="40000"/>
+                </a:prstClr>
+              </a:outerShdw>
+            </a:effectLst>
+            <a:scene3d>
+              <a:camera prst="orthographicFront"/>
+              <a:lightRig rig="threePt" dir="t"/>
+            </a:scene3d>
+            <a:sp3d/>
+          </p:spPr>
+          <p:style>
+            <a:lnRef idx="1">
+              <a:schemeClr val="accent1"/>
+            </a:lnRef>
+            <a:fillRef idx="3">
+              <a:schemeClr val="accent1"/>
+            </a:fillRef>
+            <a:effectRef idx="2">
+              <a:schemeClr val="accent1"/>
+            </a:effectRef>
+            <a:fontRef idx="minor">
+              <a:schemeClr val="lt1"/>
+            </a:fontRef>
+          </p:style>
+          <p:txBody>
+            <a:bodyPr rtlCol="0" anchor="ctr"/>
+            <a:lstStyle/>
+            <a:p>
+              <a:pPr algn="ctr"/>
+              <a:endParaRPr lang="en-US" sz="1200" dirty="0">
+                <a:solidFill>
+                  <a:schemeClr val="tx1"/>
+                </a:solidFill>
+              </a:endParaRPr>
+            </a:p>
+          </p:txBody>
+        </p:sp>
+        <p:sp>
+          <p:nvSpPr>
+            <p:cNvPr id="82" name="TextBox 81"/>
+            <p:cNvSpPr txBox="1"/>
+            <p:nvPr/>
+          </p:nvSpPr>
+          <p:spPr>
+            <a:xfrm>
+              <a:off x="6892544" y="2050181"/>
+              <a:ext cx="1417821" cy="319765"/>
+            </a:xfrm>
+            <a:prstGeom prst="rect">
+              <a:avLst/>
+            </a:prstGeom>
+            <a:noFill/>
+          </p:spPr>
+          <p:txBody>
+            <a:bodyPr wrap="none" rtlCol="0">
+              <a:spAutoFit/>
+            </a:bodyPr>
+            <a:lstStyle/>
+            <a:p>
+              <a:r>
+                <a:rPr lang="en-US" sz="1400" dirty="0" smtClean="0"/>
+                <a:t>VO2: n-</a:t>
+              </a:r>
+              <a:r>
+                <a:rPr lang="en-US" sz="1400" dirty="0" err="1" smtClean="0"/>
+                <a:t>thoery</a:t>
+              </a:r>
+              <a:endParaRPr lang="en-US" sz="1400" dirty="0"/>
+            </a:p>
+          </p:txBody>
+        </p:sp>
+      </p:grpSp>
+      <p:sp>
+        <p:nvSpPr>
+          <p:cNvPr id="84" name="Rounded Rectangle 83"/>
+          <p:cNvSpPr/>
+          <p:nvPr/>
+        </p:nvSpPr>
+        <p:spPr>
+          <a:xfrm>
+            <a:off x="9280295" y="1187193"/>
+            <a:ext cx="1274400" cy="463858"/>
+          </a:xfrm>
+          <a:prstGeom prst="roundRect">
+            <a:avLst/>
+          </a:prstGeom>
+          <a:solidFill>
+            <a:schemeClr val="accent3">
+              <a:lumMod val="20000"/>
+              <a:lumOff val="80000"/>
+            </a:schemeClr>
+          </a:solidFill>
+          <a:ln w="12700">
+            <a:solidFill>
+              <a:schemeClr val="tx1"/>
+            </a:solidFill>
+          </a:ln>
+          <a:effectLst/>
+          <a:scene3d>
+            <a:camera prst="orthographicFront"/>
+            <a:lightRig rig="threePt" dir="t"/>
+          </a:scene3d>
+          <a:sp3d>
+            <a:bevelT/>
+          </a:sp3d>
+        </p:spPr>
+        <p:style>
+          <a:lnRef idx="1">
+            <a:schemeClr val="accent1"/>
+          </a:lnRef>
+          <a:fillRef idx="3">
+            <a:schemeClr val="accent1"/>
+          </a:fillRef>
+          <a:effectRef idx="2">
+            <a:schemeClr val="accent1"/>
+          </a:effectRef>
+          <a:fontRef idx="minor">
+            <a:schemeClr val="lt1"/>
+          </a:fontRef>
+        </p:style>
+        <p:txBody>
+          <a:bodyPr rtlCol="0" anchor="ctr" anchorCtr="0"/>
+          <a:lstStyle/>
+          <a:p>
+            <a:pPr algn="ctr"/>
+            <a:r>
+              <a:rPr lang="en-US" sz="1200" dirty="0" smtClean="0">
+                <a:solidFill>
+                  <a:schemeClr val="tx1"/>
+                </a:solidFill>
+              </a:rPr>
+              <a:t>/UCLA/MATH/..</a:t>
+            </a:r>
+            <a:endParaRPr lang="en-US" sz="1200" dirty="0">
+              <a:solidFill>
+                <a:schemeClr val="tx1"/>
+              </a:solidFill>
+            </a:endParaRPr>
+          </a:p>
+        </p:txBody>
+      </p:sp>
+      <p:sp>
+        <p:nvSpPr>
+          <p:cNvPr id="86" name="Rounded Rectangle 85"/>
+          <p:cNvSpPr/>
+          <p:nvPr/>
+        </p:nvSpPr>
+        <p:spPr>
+          <a:xfrm>
+            <a:off x="9287468" y="1904758"/>
+            <a:ext cx="1267227" cy="459100"/>
+          </a:xfrm>
+          <a:prstGeom prst="roundRect">
+            <a:avLst/>
+          </a:prstGeom>
+          <a:solidFill>
+            <a:schemeClr val="accent3">
+              <a:lumMod val="20000"/>
+              <a:lumOff val="80000"/>
+            </a:schemeClr>
+          </a:solidFill>
+          <a:ln w="12700">
+            <a:solidFill>
+              <a:schemeClr val="tx1"/>
+            </a:solidFill>
+          </a:ln>
+          <a:effectLst/>
+          <a:scene3d>
+            <a:camera prst="orthographicFront"/>
+            <a:lightRig rig="threePt" dir="t"/>
+          </a:scene3d>
+          <a:sp3d>
+            <a:bevelT/>
+          </a:sp3d>
+        </p:spPr>
+        <p:style>
+          <a:lnRef idx="1">
+            <a:schemeClr val="accent1"/>
+          </a:lnRef>
+          <a:fillRef idx="3">
+            <a:schemeClr val="accent1"/>
+          </a:fillRef>
+          <a:effectRef idx="2">
+            <a:schemeClr val="accent1"/>
+          </a:effectRef>
+          <a:fontRef idx="minor">
+            <a:schemeClr val="lt1"/>
+          </a:fontRef>
+        </p:style>
+        <p:txBody>
+          <a:bodyPr rtlCol="0" anchor="ctr" anchorCtr="0"/>
+          <a:lstStyle/>
+          <a:p>
+            <a:pPr algn="ctr"/>
+            <a:r>
+              <a:rPr lang="en-US" sz="1100" dirty="0" smtClean="0">
+                <a:solidFill>
+                  <a:schemeClr val="tx1"/>
+                </a:solidFill>
+              </a:rPr>
+              <a:t>/FIU/MATH/..</a:t>
+            </a:r>
+            <a:endParaRPr lang="en-US" sz="1100" dirty="0">
+              <a:solidFill>
+                <a:schemeClr val="tx1"/>
+              </a:solidFill>
+            </a:endParaRPr>
+          </a:p>
+        </p:txBody>
+      </p:sp>
+    </p:spTree>
+    <p:extLst>
+      <p:ext uri="{BB962C8B-B14F-4D97-AF65-F5344CB8AC3E}">
+        <p14:creationId xmlns:p14="http://schemas.microsoft.com/office/powerpoint/2010/main" val="1978435959"/>
+      </p:ext>
+    </p:extLst>
+  </p:cSld>
+  <p:clrMapOvr>
+    <a:masterClrMapping/>
+  </p:clrMapOvr>
+  <p:transition xmlns:p14="http://schemas.microsoft.com/office/powerpoint/2010/main">
+    <p:fade/>
+  </p:transition>
+  <p:timing>
+    <p:tnLst>
+      <p:par>
+        <p:cTn xmlns:p14="http://schemas.microsoft.com/office/powerpoint/2010/main" id="1" dur="indefinite" restart="never" nodeType="tmRoot"/>
+      </p:par>
+    </p:tnLst>
+  </p:timing>
+</p:sld>
+</file>
+
+<file path=ppt/slides/slide25.xml><?xml version="1.0" encoding="utf-8"?>
+<p:sld xmlns:a="http://schemas.openxmlformats.org/drawingml/2006/main" xmlns:r="http://schemas.openxmlformats.org/officeDocument/2006/relationships" xmlns:p="http://schemas.openxmlformats.org/presentationml/2006/main">
+  <p:cSld>
+    <p:spTree>
+      <p:nvGrpSpPr>
+        <p:cNvPr id="1" name=""/>
+        <p:cNvGrpSpPr/>
+        <p:nvPr/>
+      </p:nvGrpSpPr>
+      <p:grpSpPr>
+        <a:xfrm>
+          <a:off x="0" y="0"/>
+          <a:ext cx="0" cy="0"/>
+          <a:chOff x="0" y="0"/>
+          <a:chExt cx="0" cy="0"/>
+        </a:xfrm>
+      </p:grpSpPr>
+      <p:sp>
+        <p:nvSpPr>
+          <p:cNvPr id="2" name="Title 1"/>
+          <p:cNvSpPr>
+            <a:spLocks noGrp="1"/>
+          </p:cNvSpPr>
+          <p:nvPr>
+            <p:ph type="title"/>
+          </p:nvPr>
+        </p:nvSpPr>
+        <p:spPr>
+          <a:xfrm>
+            <a:off x="838200" y="2513275"/>
+            <a:ext cx="10515600" cy="1325563"/>
+          </a:xfrm>
+        </p:spPr>
+        <p:txBody>
+          <a:bodyPr/>
+          <a:lstStyle/>
+          <a:p>
+            <a:pPr algn="ctr"/>
+            <a:r>
+              <a:rPr lang="en-US" dirty="0" smtClean="0"/>
+              <a:t>Demo Time</a:t>
+            </a:r>
+            <a:endParaRPr lang="en-US" dirty="0"/>
+          </a:p>
+        </p:txBody>
+      </p:sp>
+    </p:spTree>
+    <p:extLst>
+      <p:ext uri="{BB962C8B-B14F-4D97-AF65-F5344CB8AC3E}">
+        <p14:creationId xmlns:p14="http://schemas.microsoft.com/office/powerpoint/2010/main" val="520649724"/>
+      </p:ext>
+    </p:extLst>
+  </p:cSld>
+  <p:clrMapOvr>
+    <a:masterClrMapping/>
+  </p:clrMapOvr>
+  <p:timing>
+    <p:tnLst>
+      <p:par>
+        <p:cTn xmlns:p14="http://schemas.microsoft.com/office/powerpoint/2010/main" id="1" dur="indefinite" restart="never" nodeType="tmRoot"/>
+      </p:par>
+    </p:tnLst>
+  </p:timing>
+</p:sld>
+</file>
+
+<file path=ppt/slides/slide26.xml><?xml version="1.0" encoding="utf-8"?>
+<p:sld xmlns:a="http://schemas.openxmlformats.org/drawingml/2006/main" xmlns:r="http://schemas.openxmlformats.org/officeDocument/2006/relationships" xmlns:p="http://schemas.openxmlformats.org/presentationml/2006/main">
+  <p:cSld>
+    <p:spTree>
+      <p:nvGrpSpPr>
+        <p:cNvPr id="1" name=""/>
+        <p:cNvGrpSpPr/>
+        <p:nvPr/>
+      </p:nvGrpSpPr>
+      <p:grpSpPr>
+        <a:xfrm>
+          <a:off x="0" y="0"/>
+          <a:ext cx="0" cy="0"/>
+          <a:chOff x="0" y="0"/>
+          <a:chExt cx="0" cy="0"/>
+        </a:xfrm>
+      </p:grpSpPr>
+      <p:sp>
+        <p:nvSpPr>
+          <p:cNvPr id="2" name="Title 1"/>
+          <p:cNvSpPr>
+            <a:spLocks noGrp="1"/>
+          </p:cNvSpPr>
+          <p:nvPr>
+            <p:ph type="title"/>
+          </p:nvPr>
+        </p:nvSpPr>
+        <p:spPr>
+          <a:xfrm>
+            <a:off x="838200" y="2513275"/>
+            <a:ext cx="10515600" cy="1325563"/>
+          </a:xfrm>
+        </p:spPr>
+        <p:txBody>
+          <a:bodyPr/>
+          <a:lstStyle/>
+          <a:p>
+            <a:pPr algn="ctr"/>
+            <a:r>
+              <a:rPr lang="en-US" dirty="0" smtClean="0"/>
+              <a:t>Q&amp;A</a:t>
+            </a:r>
+            <a:endParaRPr lang="en-US" dirty="0"/>
+          </a:p>
+        </p:txBody>
+      </p:sp>
+    </p:spTree>
+    <p:extLst>
+      <p:ext uri="{BB962C8B-B14F-4D97-AF65-F5344CB8AC3E}">
+        <p14:creationId xmlns:p14="http://schemas.microsoft.com/office/powerpoint/2010/main" val="936366153"/>
+      </p:ext>
+    </p:extLst>
+  </p:cSld>
+  <p:clrMapOvr>
+    <a:masterClrMapping/>
+  </p:clrMapOvr>
+  <p:timing>
+    <p:tnLst>
+      <p:par>
+        <p:cTn xmlns:p14="http://schemas.microsoft.com/office/powerpoint/2010/main" id="1" dur="indefinite" restart="never" nodeType="tmRoot"/>
       </p:par>
     </p:tnLst>
   </p:timing>
@@ -14853,19 +17648,7 @@
             </a:r>
             <a:r>
               <a:rPr lang="en-US" altLang="zh-CN" sz="2400" dirty="0" smtClean="0"/>
-              <a:t>attribute authority and </a:t>
-            </a:r>
-            <a:r>
-              <a:rPr lang="en-US" altLang="zh-CN" sz="2400" dirty="0" smtClean="0"/>
-              <a:t>token</a:t>
-            </a:r>
-            <a:r>
-              <a:rPr lang="en-US" altLang="zh-CN" sz="2400" dirty="0" smtClean="0"/>
-              <a:t> </a:t>
-            </a:r>
-            <a:r>
-              <a:rPr lang="en-US" altLang="zh-CN" sz="2400" dirty="0" smtClean="0"/>
-              <a:t>issuer in different devices</a:t>
+              <a:t>attribute authority and token issuer in different devices</a:t>
             </a:r>
           </a:p>
           <a:p>
@@ -14972,7 +17755,7 @@
   <p:timing>
     <p:tnLst>
       <p:par>
-        <p:cTn id="1" dur="indefinite" restart="never" nodeType="tmRoot"/>
+        <p:cTn xmlns:p14="http://schemas.microsoft.com/office/powerpoint/2010/main" id="1" dur="indefinite" restart="never" nodeType="tmRoot"/>
       </p:par>
     </p:tnLst>
   </p:timing>
@@ -15094,7 +17877,7 @@
   <p:timing>
     <p:tnLst>
       <p:par>
-        <p:cTn id="1" dur="indefinite" restart="never" nodeType="tmRoot"/>
+        <p:cTn xmlns:p14="http://schemas.microsoft.com/office/powerpoint/2010/main" id="1" dur="indefinite" restart="never" nodeType="tmRoot"/>
       </p:par>
     </p:tnLst>
   </p:timing>
@@ -16690,7 +19473,7 @@
   <p:timing>
     <p:tnLst>
       <p:par>
-        <p:cTn id="1" dur="indefinite" restart="never" nodeType="tmRoot"/>
+        <p:cTn xmlns:p14="http://schemas.microsoft.com/office/powerpoint/2010/main" id="1" dur="indefinite" restart="never" nodeType="tmRoot"/>
       </p:par>
     </p:tnLst>
   </p:timing>
@@ -17400,7 +20183,7 @@
   <p:timing>
     <p:tnLst>
       <p:par>
-        <p:cTn id="1" dur="indefinite" restart="never" nodeType="tmRoot"/>
+        <p:cTn xmlns:p14="http://schemas.microsoft.com/office/powerpoint/2010/main" id="1" dur="indefinite" restart="never" nodeType="tmRoot"/>
       </p:par>
     </p:tnLst>
   </p:timing>
@@ -19009,7 +21792,7 @@
   <p:timing>
     <p:tnLst>
       <p:par>
-        <p:cTn id="1" dur="indefinite" restart="never" nodeType="tmRoot"/>
+        <p:cTn xmlns:p14="http://schemas.microsoft.com/office/powerpoint/2010/main" id="1" dur="indefinite" restart="never" nodeType="tmRoot"/>
       </p:par>
     </p:tnLst>
   </p:timing>
@@ -19073,11 +21856,7 @@
           <a:p>
             <a:r>
               <a:rPr lang="en-US" b="1" dirty="0" smtClean="0"/>
-              <a:t>Attribute </a:t>
-            </a:r>
-            <a:r>
-              <a:rPr lang="en-US" b="1" dirty="0" smtClean="0"/>
-              <a:t>Authority: </a:t>
+              <a:t>Attribute Authority: </a:t>
             </a:r>
             <a:r>
               <a:rPr lang="en-US" sz="2400" dirty="0" smtClean="0"/>
@@ -19103,7 +21882,6 @@
               <a:rPr lang="en-US" sz="2400" b="1" dirty="0" smtClean="0"/>
               <a:t>/aa/DKEY/&lt;token&gt;</a:t>
             </a:r>
-            <a:endParaRPr lang="en-US" sz="2400" b="1" dirty="0" smtClean="0"/>
           </a:p>
           <a:p>
             <a:pPr lvl="1"/>
@@ -19128,7 +21906,6 @@
               <a:rPr lang="en-US" sz="2400" b="1" dirty="0" smtClean="0"/>
               <a:t>/producer/[data name]/policy</a:t>
             </a:r>
-            <a:endParaRPr lang="en-US" sz="2400" b="1" dirty="0" smtClean="0"/>
           </a:p>
           <a:p>
             <a:pPr lvl="1"/>
@@ -19143,11 +21920,7 @@
           <a:p>
             <a:r>
               <a:rPr lang="en-US" b="1" dirty="0" smtClean="0"/>
-              <a:t>Data </a:t>
-            </a:r>
-            <a:r>
-              <a:rPr lang="en-US" b="1" dirty="0" smtClean="0"/>
-              <a:t>Consumer</a:t>
+              <a:t>Data Consumer</a:t>
             </a:r>
             <a:endParaRPr lang="en-US" b="1" dirty="0"/>
           </a:p>
@@ -19209,7 +21982,7 @@
     </a:clrScheme>
     <a:fontScheme name="Office">
       <a:majorFont>
-        <a:latin typeface="Calibri Light" panose="020F0302020204030204"/>
+        <a:latin typeface="Calibri Light"/>
         <a:ea typeface=""/>
         <a:cs typeface=""/>
         <a:font script="Jpan" typeface="Yu Gothic Light"/>
@@ -19244,7 +22017,7 @@
         <a:font script="Geor" typeface="Sylfaen"/>
       </a:majorFont>
       <a:minorFont>
-        <a:latin typeface="Calibri" panose="020F0502020204030204"/>
+        <a:latin typeface="Calibri"/>
         <a:ea typeface=""/>
         <a:cs typeface=""/>
         <a:font script="Jpan" typeface="Yu Gothic"/>
@@ -19421,7 +22194,7 @@
   <a:extraClrSchemeLst/>
   <a:extLst>
     <a:ext uri="{05A4C25C-085E-4340-85A3-A5531E510DB2}">
-      <thm15:themeFamily xmlns:thm15="http://schemas.microsoft.com/office/thememl/2012/main" name="Office Theme" id="{62F939B6-93AF-4DB8-9C6B-D6C7DFDC589F}" vid="{4A3C46E8-61CC-4603-A589-7422A47A8E4A}"/>
+      <thm15:themeFamily xmlns:thm15="http://schemas.microsoft.com/office/thememl/2012/main" xmlns="" name="Office Theme" id="{62F939B6-93AF-4DB8-9C6B-D6C7DFDC589F}" vid="{4A3C46E8-61CC-4603-A589-7422A47A8E4A}"/>
     </a:ext>
   </a:extLst>
 </a:theme>
@@ -19470,7 +22243,7 @@
     </a:clrScheme>
     <a:fontScheme name="Office">
       <a:majorFont>
-        <a:latin typeface="Calibri Light" panose="020F0302020204030204"/>
+        <a:latin typeface="Calibri Light"/>
         <a:ea typeface=""/>
         <a:cs typeface=""/>
         <a:font script="Jpan" typeface="Yu Gothic Light"/>
@@ -19505,7 +22278,7 @@
         <a:font script="Geor" typeface="Sylfaen"/>
       </a:majorFont>
       <a:minorFont>
-        <a:latin typeface="Calibri" panose="020F0502020204030204"/>
+        <a:latin typeface="Calibri"/>
         <a:ea typeface=""/>
         <a:cs typeface=""/>
         <a:font script="Jpan" typeface="Yu Gothic"/>
@@ -19682,7 +22455,7 @@
   <a:extraClrSchemeLst/>
   <a:extLst>
     <a:ext uri="{05A4C25C-085E-4340-85A3-A5531E510DB2}">
-      <thm15:themeFamily xmlns:thm15="http://schemas.microsoft.com/office/thememl/2012/main" name="Office Theme" id="{62F939B6-93AF-4DB8-9C6B-D6C7DFDC589F}" vid="{4A3C46E8-61CC-4603-A589-7422A47A8E4A}"/>
+      <thm15:themeFamily xmlns:thm15="http://schemas.microsoft.com/office/thememl/2012/main" xmlns="" name="Office Theme" id="{62F939B6-93AF-4DB8-9C6B-D6C7DFDC589F}" vid="{4A3C46E8-61CC-4603-A589-7422A47A8E4A}"/>
     </a:ext>
   </a:extLst>
 </a:theme>

--- a/docs/Proj-Presentation.pptx
+++ b/docs/Proj-Presentation.pptx
@@ -29,9 +29,9 @@
     <p:sldId id="258" r:id="rId20"/>
     <p:sldId id="275" r:id="rId21"/>
     <p:sldId id="276" r:id="rId22"/>
-    <p:sldId id="277" r:id="rId23"/>
+    <p:sldId id="282" r:id="rId23"/>
     <p:sldId id="280" r:id="rId24"/>
-    <p:sldId id="282" r:id="rId25"/>
+    <p:sldId id="285" r:id="rId25"/>
     <p:sldId id="283" r:id="rId26"/>
     <p:sldId id="284" r:id="rId27"/>
   </p:sldIdLst>
@@ -134,7 +134,18 @@
   </p:defaultTextStyle>
   <p:extLst>
     <p:ext uri="{EFAFB233-063F-42B5-8137-9DF3F51BA10A}">
-      <p15:sldGuideLst xmlns:p15="http://schemas.microsoft.com/office/powerpoint/2012/main" xmlns=""/>
+      <p15:sldGuideLst xmlns:p15="http://schemas.microsoft.com/office/powerpoint/2012/main">
+        <p15:guide id="1" orient="horz" pos="2160">
+          <p15:clr>
+            <a:srgbClr val="A4A3A4"/>
+          </p15:clr>
+        </p15:guide>
+        <p15:guide id="2" pos="3840">
+          <p15:clr>
+            <a:srgbClr val="A4A3A4"/>
+          </p15:clr>
+        </p15:guide>
+      </p15:sldGuideLst>
     </p:ext>
   </p:extLst>
 </p:presentation>
@@ -222,7 +233,7 @@
           <a:p>
             <a:fld id="{2CB9A7BB-EC93-9840-9AD7-8CCBE56CB24B}" type="datetimeFigureOut">
               <a:rPr lang="en-US" smtClean="0"/>
-              <a:t>6/7/17</a:t>
+              <a:t>6/8/17</a:t>
             </a:fld>
             <a:endParaRPr lang="en-US"/>
           </a:p>
@@ -621,7 +632,7 @@
           <a:p>
             <a:fld id="{1BB0229A-AB57-114B-A097-F0FCCA840D98}" type="datetimeFigureOut">
               <a:rPr lang="en-US" smtClean="0"/>
-              <a:t>6/7/17</a:t>
+              <a:t>6/8/17</a:t>
             </a:fld>
             <a:endParaRPr lang="en-US"/>
           </a:p>
@@ -791,7 +802,7 @@
           <a:p>
             <a:fld id="{1BB0229A-AB57-114B-A097-F0FCCA840D98}" type="datetimeFigureOut">
               <a:rPr lang="en-US" smtClean="0"/>
-              <a:t>6/7/17</a:t>
+              <a:t>6/8/17</a:t>
             </a:fld>
             <a:endParaRPr lang="en-US"/>
           </a:p>
@@ -971,7 +982,7 @@
           <a:p>
             <a:fld id="{1BB0229A-AB57-114B-A097-F0FCCA840D98}" type="datetimeFigureOut">
               <a:rPr lang="en-US" smtClean="0"/>
-              <a:t>6/7/17</a:t>
+              <a:t>6/8/17</a:t>
             </a:fld>
             <a:endParaRPr lang="en-US"/>
           </a:p>
@@ -1208,7 +1219,7 @@
   <p:clrMapOvr>
     <a:masterClrMapping/>
   </p:clrMapOvr>
-  <p:transition xmlns:p14="http://schemas.microsoft.com/office/powerpoint/2010/main">
+  <p:transition>
     <p:fade/>
   </p:transition>
 </p:sldLayout>
@@ -1323,7 +1334,7 @@
           <a:p>
             <a:fld id="{1BB0229A-AB57-114B-A097-F0FCCA840D98}" type="datetimeFigureOut">
               <a:rPr lang="en-US" smtClean="0"/>
-              <a:t>6/7/17</a:t>
+              <a:t>6/8/17</a:t>
             </a:fld>
             <a:endParaRPr lang="en-US"/>
           </a:p>
@@ -1569,7 +1580,7 @@
           <a:p>
             <a:fld id="{1BB0229A-AB57-114B-A097-F0FCCA840D98}" type="datetimeFigureOut">
               <a:rPr lang="en-US" smtClean="0"/>
-              <a:t>6/7/17</a:t>
+              <a:t>6/8/17</a:t>
             </a:fld>
             <a:endParaRPr lang="en-US"/>
           </a:p>
@@ -1801,7 +1812,7 @@
           <a:p>
             <a:fld id="{1BB0229A-AB57-114B-A097-F0FCCA840D98}" type="datetimeFigureOut">
               <a:rPr lang="en-US" smtClean="0"/>
-              <a:t>6/7/17</a:t>
+              <a:t>6/8/17</a:t>
             </a:fld>
             <a:endParaRPr lang="en-US"/>
           </a:p>
@@ -2168,7 +2179,7 @@
           <a:p>
             <a:fld id="{1BB0229A-AB57-114B-A097-F0FCCA840D98}" type="datetimeFigureOut">
               <a:rPr lang="en-US" smtClean="0"/>
-              <a:t>6/7/17</a:t>
+              <a:t>6/8/17</a:t>
             </a:fld>
             <a:endParaRPr lang="en-US"/>
           </a:p>
@@ -2286,7 +2297,7 @@
           <a:p>
             <a:fld id="{1BB0229A-AB57-114B-A097-F0FCCA840D98}" type="datetimeFigureOut">
               <a:rPr lang="en-US" smtClean="0"/>
-              <a:t>6/7/17</a:t>
+              <a:t>6/8/17</a:t>
             </a:fld>
             <a:endParaRPr lang="en-US"/>
           </a:p>
@@ -2381,7 +2392,7 @@
           <a:p>
             <a:fld id="{1BB0229A-AB57-114B-A097-F0FCCA840D98}" type="datetimeFigureOut">
               <a:rPr lang="en-US" smtClean="0"/>
-              <a:t>6/7/17</a:t>
+              <a:t>6/8/17</a:t>
             </a:fld>
             <a:endParaRPr lang="en-US"/>
           </a:p>
@@ -2658,7 +2669,7 @@
           <a:p>
             <a:fld id="{1BB0229A-AB57-114B-A097-F0FCCA840D98}" type="datetimeFigureOut">
               <a:rPr lang="en-US" smtClean="0"/>
-              <a:t>6/7/17</a:t>
+              <a:t>6/8/17</a:t>
             </a:fld>
             <a:endParaRPr lang="en-US"/>
           </a:p>
@@ -2911,7 +2922,7 @@
           <a:p>
             <a:fld id="{1BB0229A-AB57-114B-A097-F0FCCA840D98}" type="datetimeFigureOut">
               <a:rPr lang="en-US" smtClean="0"/>
-              <a:t>6/7/17</a:t>
+              <a:t>6/8/17</a:t>
             </a:fld>
             <a:endParaRPr lang="en-US"/>
           </a:p>
@@ -3124,7 +3135,7 @@
           <a:p>
             <a:fld id="{1BB0229A-AB57-114B-A097-F0FCCA840D98}" type="datetimeFigureOut">
               <a:rPr lang="en-US" smtClean="0"/>
-              <a:t>6/7/17</a:t>
+              <a:t>6/8/17</a:t>
             </a:fld>
             <a:endParaRPr lang="en-US"/>
           </a:p>
@@ -3619,7 +3630,7 @@
   <p:timing>
     <p:tnLst>
       <p:par>
-        <p:cTn xmlns:p14="http://schemas.microsoft.com/office/powerpoint/2010/main" id="1" dur="indefinite" restart="never" nodeType="tmRoot"/>
+        <p:cTn id="1" dur="indefinite" restart="never" nodeType="tmRoot"/>
       </p:par>
     </p:tnLst>
   </p:timing>
@@ -4042,7 +4053,7 @@
   <p:timing>
     <p:tnLst>
       <p:par>
-        <p:cTn xmlns:p14="http://schemas.microsoft.com/office/powerpoint/2010/main" id="1" dur="indefinite" restart="never" nodeType="tmRoot"/>
+        <p:cTn id="1" dur="indefinite" restart="never" nodeType="tmRoot"/>
       </p:par>
     </p:tnLst>
   </p:timing>
@@ -4465,7 +4476,7 @@
   <p:timing>
     <p:tnLst>
       <p:par>
-        <p:cTn xmlns:p14="http://schemas.microsoft.com/office/powerpoint/2010/main" id="1" dur="indefinite" restart="never" nodeType="tmRoot"/>
+        <p:cTn id="1" dur="indefinite" restart="never" nodeType="tmRoot"/>
       </p:par>
     </p:tnLst>
   </p:timing>
@@ -4823,7 +4834,7 @@
   <p:timing>
     <p:tnLst>
       <p:par>
-        <p:cTn xmlns:p14="http://schemas.microsoft.com/office/powerpoint/2010/main" id="1" dur="indefinite" restart="never" nodeType="tmRoot"/>
+        <p:cTn id="1" dur="indefinite" restart="never" nodeType="tmRoot"/>
       </p:par>
     </p:tnLst>
   </p:timing>
@@ -5668,7 +5679,7 @@
   <p:timing>
     <p:tnLst>
       <p:par>
-        <p:cTn xmlns:p14="http://schemas.microsoft.com/office/powerpoint/2010/main" id="1" dur="indefinite" restart="never" nodeType="tmRoot"/>
+        <p:cTn id="1" dur="indefinite" restart="never" nodeType="tmRoot"/>
       </p:par>
     </p:tnLst>
   </p:timing>
@@ -5963,7 +5974,7 @@
   <p:timing>
     <p:tnLst>
       <p:par>
-        <p:cTn xmlns:p14="http://schemas.microsoft.com/office/powerpoint/2010/main" id="1" dur="indefinite" restart="never" nodeType="tmRoot"/>
+        <p:cTn id="1" dur="indefinite" restart="never" nodeType="tmRoot"/>
       </p:par>
     </p:tnLst>
   </p:timing>
@@ -6534,7 +6545,7 @@
   <p:timing>
     <p:tnLst>
       <p:par>
-        <p:cTn xmlns:p14="http://schemas.microsoft.com/office/powerpoint/2010/main" id="1" dur="indefinite" restart="never" nodeType="tmRoot"/>
+        <p:cTn id="1" dur="indefinite" restart="never" nodeType="tmRoot"/>
       </p:par>
     </p:tnLst>
   </p:timing>
@@ -7437,7 +7448,7 @@
   <p:timing>
     <p:tnLst>
       <p:par>
-        <p:cTn xmlns:p14="http://schemas.microsoft.com/office/powerpoint/2010/main" id="1" dur="indefinite" restart="never" nodeType="tmRoot"/>
+        <p:cTn id="1" dur="indefinite" restart="never" nodeType="tmRoot"/>
       </p:par>
     </p:tnLst>
   </p:timing>
@@ -8205,7 +8216,7 @@
   <p:timing>
     <p:tnLst>
       <p:par>
-        <p:cTn xmlns:p14="http://schemas.microsoft.com/office/powerpoint/2010/main" id="1" dur="indefinite" restart="never" nodeType="tmRoot"/>
+        <p:cTn id="1" dur="indefinite" restart="never" nodeType="tmRoot"/>
       </p:par>
     </p:tnLst>
   </p:timing>
@@ -9081,7 +9092,7 @@
   <p:timing>
     <p:tnLst>
       <p:par>
-        <p:cTn xmlns:p14="http://schemas.microsoft.com/office/powerpoint/2010/main" id="1" dur="indefinite" restart="never" nodeType="tmRoot"/>
+        <p:cTn id="1" dur="indefinite" restart="never" nodeType="tmRoot"/>
       </p:par>
     </p:tnLst>
   </p:timing>
@@ -9178,7 +9189,7 @@
   <p:timing>
     <p:tnLst>
       <p:par>
-        <p:cTn xmlns:p14="http://schemas.microsoft.com/office/powerpoint/2010/main" id="1" dur="indefinite" restart="never" nodeType="tmRoot"/>
+        <p:cTn id="1" dur="indefinite" restart="never" nodeType="tmRoot"/>
       </p:par>
     </p:tnLst>
   </p:timing>
@@ -9302,7 +9313,7 @@
   <p:timing>
     <p:tnLst>
       <p:par>
-        <p:cTn xmlns:p14="http://schemas.microsoft.com/office/powerpoint/2010/main" id="1" dur="indefinite" restart="never" nodeType="tmRoot"/>
+        <p:cTn id="1" dur="indefinite" restart="never" nodeType="tmRoot"/>
       </p:par>
     </p:tnLst>
   </p:timing>
@@ -9414,7 +9425,7 @@
   <p:timing>
     <p:tnLst>
       <p:par>
-        <p:cTn xmlns:p14="http://schemas.microsoft.com/office/powerpoint/2010/main" id="1" dur="indefinite" restart="never" nodeType="tmRoot"/>
+        <p:cTn id="1" dur="indefinite" restart="never" nodeType="tmRoot"/>
       </p:par>
     </p:tnLst>
   </p:timing>
@@ -12160,13 +12171,13 @@
   <p:clrMapOvr>
     <a:masterClrMapping/>
   </p:clrMapOvr>
-  <p:transition xmlns:p14="http://schemas.microsoft.com/office/powerpoint/2010/main">
+  <p:transition>
     <p:fade/>
   </p:transition>
   <p:timing>
     <p:tnLst>
       <p:par>
-        <p:cTn xmlns:p14="http://schemas.microsoft.com/office/powerpoint/2010/main" id="1" dur="indefinite" restart="never" nodeType="tmRoot"/>
+        <p:cTn id="1" dur="indefinite" restart="never" nodeType="tmRoot"/>
       </p:par>
     </p:tnLst>
   </p:timing>
@@ -12430,9 +12441,10 @@
             <a:lstStyle/>
             <a:p>
               <a:r>
-                <a:rPr lang="en-US" sz="2400"/>
+                <a:rPr lang="en-US" sz="2400" dirty="0" smtClean="0"/>
                 <a:t>NDN</a:t>
               </a:r>
+              <a:endParaRPr lang="en-US" sz="2400" dirty="0"/>
             </a:p>
           </p:txBody>
         </p:sp>
@@ -13657,7 +13669,7 @@
         </p:nvSpPr>
         <p:spPr>
           <a:xfrm>
-            <a:off x="413043" y="3199668"/>
+            <a:off x="428722" y="3199668"/>
             <a:ext cx="1352359" cy="588253"/>
           </a:xfrm>
           <a:prstGeom prst="roundRect">
@@ -13705,7 +13717,7 @@
                   <a:schemeClr val="tx1"/>
                 </a:solidFill>
               </a:rPr>
-              <a:t>UCLA Data Manager</a:t>
+              <a:t>UCLA Data Manager (Data Owner)</a:t>
             </a:r>
             <a:endParaRPr lang="en-US" sz="1400" dirty="0">
               <a:solidFill>
@@ -14688,20 +14700,20 @@
     </p:spTree>
     <p:extLst>
       <p:ext uri="{BB962C8B-B14F-4D97-AF65-F5344CB8AC3E}">
-        <p14:creationId xmlns:p14="http://schemas.microsoft.com/office/powerpoint/2010/main" val="863370586"/>
+        <p14:creationId xmlns:p14="http://schemas.microsoft.com/office/powerpoint/2010/main" val="1978435959"/>
       </p:ext>
     </p:extLst>
   </p:cSld>
   <p:clrMapOvr>
     <a:masterClrMapping/>
   </p:clrMapOvr>
-  <p:transition xmlns:p14="http://schemas.microsoft.com/office/powerpoint/2010/main">
+  <p:transition>
     <p:fade/>
   </p:transition>
   <p:timing>
     <p:tnLst>
       <p:par>
-        <p:cTn xmlns:p14="http://schemas.microsoft.com/office/powerpoint/2010/main" id="1" dur="indefinite" restart="never" nodeType="tmRoot"/>
+        <p:cTn id="1" dur="indefinite" restart="never" nodeType="tmRoot"/>
       </p:par>
     </p:tnLst>
   </p:timing>
@@ -14765,11 +14777,7 @@
           <a:p>
             <a:r>
               <a:rPr lang="en-US" dirty="0" smtClean="0"/>
-              <a:t>Attribut</a:t>
-            </a:r>
-            <a:r>
-              <a:rPr lang="en-US" dirty="0" smtClean="0"/>
-              <a:t>e Authority</a:t>
+              <a:t>Attribute Authority</a:t>
             </a:r>
           </a:p>
           <a:p>
@@ -14847,7 +14855,7 @@
   <p:timing>
     <p:tnLst>
       <p:par>
-        <p:cTn xmlns:p14="http://schemas.microsoft.com/office/powerpoint/2010/main" id="1" dur="indefinite" restart="never" nodeType="tmRoot"/>
+        <p:cTn id="1" dur="indefinite" restart="never" nodeType="tmRoot"/>
       </p:par>
     </p:tnLst>
   </p:timing>
@@ -15166,8 +15174,8 @@
         </p:nvSpPr>
         <p:spPr>
           <a:xfrm>
-            <a:off x="8313116" y="3773893"/>
-            <a:ext cx="1055896" cy="274598"/>
+            <a:off x="8279250" y="3689228"/>
+            <a:ext cx="1207420" cy="437062"/>
           </a:xfrm>
           <a:prstGeom prst="roundRect">
             <a:avLst/>
@@ -15209,146 +15217,14 @@
           <a:p>
             <a:pPr algn="ctr"/>
             <a:r>
-              <a:rPr lang="en-US" sz="1400" dirty="0" err="1" smtClean="0">
+              <a:rPr lang="en-US" sz="1400" b="1" dirty="0" err="1" smtClean="0">
                 <a:solidFill>
                   <a:schemeClr val="tx1"/>
                 </a:solidFill>
               </a:rPr>
               <a:t>ConsumerA</a:t>
             </a:r>
-            <a:endParaRPr lang="en-US" sz="1400" dirty="0">
-              <a:solidFill>
-                <a:schemeClr val="tx1"/>
-              </a:solidFill>
-            </a:endParaRPr>
-          </a:p>
-        </p:txBody>
-      </p:sp>
-      <p:sp>
-        <p:nvSpPr>
-          <p:cNvPr id="59" name="Rounded Rectangle 58"/>
-          <p:cNvSpPr/>
-          <p:nvPr/>
-        </p:nvSpPr>
-        <p:spPr>
-          <a:xfrm>
-            <a:off x="8313116" y="4650058"/>
-            <a:ext cx="1057142" cy="247860"/>
-          </a:xfrm>
-          <a:prstGeom prst="roundRect">
-            <a:avLst/>
-          </a:prstGeom>
-          <a:solidFill>
-            <a:schemeClr val="bg1"/>
-          </a:solidFill>
-          <a:ln w="12700">
-            <a:solidFill>
-              <a:schemeClr val="tx1"/>
-            </a:solidFill>
-          </a:ln>
-          <a:effectLst/>
-          <a:scene3d>
-            <a:camera prst="orthographicFront"/>
-            <a:lightRig rig="threePt" dir="t"/>
-          </a:scene3d>
-          <a:sp3d>
-            <a:bevelT/>
-          </a:sp3d>
-        </p:spPr>
-        <p:style>
-          <a:lnRef idx="1">
-            <a:schemeClr val="accent1"/>
-          </a:lnRef>
-          <a:fillRef idx="3">
-            <a:schemeClr val="accent1"/>
-          </a:fillRef>
-          <a:effectRef idx="2">
-            <a:schemeClr val="accent1"/>
-          </a:effectRef>
-          <a:fontRef idx="minor">
-            <a:schemeClr val="lt1"/>
-          </a:fontRef>
-        </p:style>
-        <p:txBody>
-          <a:bodyPr rtlCol="0" anchor="ctr" anchorCtr="0"/>
-          <a:lstStyle/>
-          <a:p>
-            <a:pPr algn="ctr"/>
-            <a:r>
-              <a:rPr lang="en-US" sz="1400" dirty="0" err="1" smtClean="0">
-                <a:solidFill>
-                  <a:schemeClr val="tx1"/>
-                </a:solidFill>
-              </a:rPr>
-              <a:t>ConsumerB</a:t>
-            </a:r>
-            <a:endParaRPr lang="en-US" sz="1400" dirty="0">
-              <a:solidFill>
-                <a:schemeClr val="tx1"/>
-              </a:solidFill>
-            </a:endParaRPr>
-          </a:p>
-        </p:txBody>
-      </p:sp>
-      <p:sp>
-        <p:nvSpPr>
-          <p:cNvPr id="60" name="Rounded Rectangle 59"/>
-          <p:cNvSpPr/>
-          <p:nvPr/>
-        </p:nvSpPr>
-        <p:spPr>
-          <a:xfrm>
-            <a:off x="8313116" y="5499485"/>
-            <a:ext cx="1057142" cy="247860"/>
-          </a:xfrm>
-          <a:prstGeom prst="roundRect">
-            <a:avLst/>
-          </a:prstGeom>
-          <a:solidFill>
-            <a:schemeClr val="bg1"/>
-          </a:solidFill>
-          <a:ln w="12700">
-            <a:solidFill>
-              <a:schemeClr val="tx1"/>
-            </a:solidFill>
-          </a:ln>
-          <a:effectLst/>
-          <a:scene3d>
-            <a:camera prst="orthographicFront"/>
-            <a:lightRig rig="threePt" dir="t"/>
-          </a:scene3d>
-          <a:sp3d>
-            <a:bevelT/>
-          </a:sp3d>
-        </p:spPr>
-        <p:style>
-          <a:lnRef idx="1">
-            <a:schemeClr val="accent1"/>
-          </a:lnRef>
-          <a:fillRef idx="3">
-            <a:schemeClr val="accent1"/>
-          </a:fillRef>
-          <a:effectRef idx="2">
-            <a:schemeClr val="accent1"/>
-          </a:effectRef>
-          <a:fontRef idx="minor">
-            <a:schemeClr val="lt1"/>
-          </a:fontRef>
-        </p:style>
-        <p:txBody>
-          <a:bodyPr rtlCol="0" anchor="ctr" anchorCtr="0"/>
-          <a:lstStyle/>
-          <a:p>
-            <a:pPr algn="ctr"/>
-            <a:r>
-              <a:rPr lang="en-US" sz="1400" dirty="0" err="1" smtClean="0">
-                <a:solidFill>
-                  <a:schemeClr val="tx1"/>
-                </a:solidFill>
-              </a:rPr>
-              <a:t>ConsumerC</a:t>
-            </a:r>
-            <a:endParaRPr lang="en-US" sz="1400" dirty="0">
+            <a:endParaRPr lang="en-US" sz="1400" b="1" dirty="0">
               <a:solidFill>
                 <a:schemeClr val="tx1"/>
               </a:solidFill>
@@ -16387,7 +16263,15 @@
                   <a:schemeClr val="tx1"/>
                 </a:solidFill>
               </a:rPr>
-              <a:t>UCLA Data </a:t>
+              <a:t>UCLA Data Manager (</a:t>
+            </a:r>
+            <a:r>
+              <a:rPr lang="en-US" sz="1400" b="1" dirty="0" smtClean="0">
+                <a:solidFill>
+                  <a:schemeClr val="tx1"/>
+                </a:solidFill>
+              </a:rPr>
+              <a:t>Data Owner</a:t>
             </a:r>
             <a:r>
               <a:rPr lang="en-US" sz="1400" dirty="0" smtClean="0">
@@ -16395,7 +16279,7 @@
                   <a:schemeClr val="tx1"/>
                 </a:solidFill>
               </a:rPr>
-              <a:t>Manager (Data Owner)</a:t>
+              <a:t>)</a:t>
             </a:r>
             <a:endParaRPr lang="en-US" sz="1400" dirty="0">
               <a:solidFill>
@@ -16950,9 +16834,17 @@
                   <a:schemeClr val="tx1"/>
                 </a:solidFill>
               </a:rPr>
-              <a:t>UCLA Token Issuer</a:t>
-            </a:r>
-            <a:endParaRPr lang="en-US" sz="1400" dirty="0">
+              <a:t>UCLA </a:t>
+            </a:r>
+            <a:r>
+              <a:rPr lang="en-US" sz="1400" b="1" dirty="0" smtClean="0">
+                <a:solidFill>
+                  <a:schemeClr val="tx1"/>
+                </a:solidFill>
+              </a:rPr>
+              <a:t>Token Issuer</a:t>
+            </a:r>
+            <a:endParaRPr lang="en-US" sz="1400" b="1" dirty="0">
               <a:solidFill>
                 <a:schemeClr val="tx1"/>
               </a:solidFill>
@@ -17375,23 +17267,155 @@
           </a:p>
         </p:txBody>
       </p:sp>
+      <p:sp>
+        <p:nvSpPr>
+          <p:cNvPr id="48" name="Rounded Rectangle 47"/>
+          <p:cNvSpPr/>
+          <p:nvPr/>
+        </p:nvSpPr>
+        <p:spPr>
+          <a:xfrm>
+            <a:off x="8262317" y="4561698"/>
+            <a:ext cx="1207420" cy="437062"/>
+          </a:xfrm>
+          <a:prstGeom prst="roundRect">
+            <a:avLst/>
+          </a:prstGeom>
+          <a:solidFill>
+            <a:schemeClr val="bg1"/>
+          </a:solidFill>
+          <a:ln w="12700">
+            <a:solidFill>
+              <a:schemeClr val="tx1"/>
+            </a:solidFill>
+          </a:ln>
+          <a:effectLst/>
+          <a:scene3d>
+            <a:camera prst="orthographicFront"/>
+            <a:lightRig rig="threePt" dir="t"/>
+          </a:scene3d>
+          <a:sp3d>
+            <a:bevelT/>
+          </a:sp3d>
+        </p:spPr>
+        <p:style>
+          <a:lnRef idx="1">
+            <a:schemeClr val="accent1"/>
+          </a:lnRef>
+          <a:fillRef idx="3">
+            <a:schemeClr val="accent1"/>
+          </a:fillRef>
+          <a:effectRef idx="2">
+            <a:schemeClr val="accent1"/>
+          </a:effectRef>
+          <a:fontRef idx="minor">
+            <a:schemeClr val="lt1"/>
+          </a:fontRef>
+        </p:style>
+        <p:txBody>
+          <a:bodyPr rtlCol="0" anchor="ctr" anchorCtr="0"/>
+          <a:lstStyle/>
+          <a:p>
+            <a:pPr algn="ctr"/>
+            <a:r>
+              <a:rPr lang="en-US" sz="1400" b="1" dirty="0" err="1" smtClean="0">
+                <a:solidFill>
+                  <a:schemeClr val="tx1"/>
+                </a:solidFill>
+              </a:rPr>
+              <a:t>ConsumerB</a:t>
+            </a:r>
+            <a:endParaRPr lang="en-US" sz="1400" b="1" dirty="0">
+              <a:solidFill>
+                <a:schemeClr val="tx1"/>
+              </a:solidFill>
+            </a:endParaRPr>
+          </a:p>
+        </p:txBody>
+      </p:sp>
+      <p:sp>
+        <p:nvSpPr>
+          <p:cNvPr id="49" name="Rounded Rectangle 48"/>
+          <p:cNvSpPr/>
+          <p:nvPr/>
+        </p:nvSpPr>
+        <p:spPr>
+          <a:xfrm>
+            <a:off x="8240896" y="5393879"/>
+            <a:ext cx="1207420" cy="437062"/>
+          </a:xfrm>
+          <a:prstGeom prst="roundRect">
+            <a:avLst/>
+          </a:prstGeom>
+          <a:solidFill>
+            <a:schemeClr val="bg1"/>
+          </a:solidFill>
+          <a:ln w="12700">
+            <a:solidFill>
+              <a:schemeClr val="tx1"/>
+            </a:solidFill>
+          </a:ln>
+          <a:effectLst/>
+          <a:scene3d>
+            <a:camera prst="orthographicFront"/>
+            <a:lightRig rig="threePt" dir="t"/>
+          </a:scene3d>
+          <a:sp3d>
+            <a:bevelT/>
+          </a:sp3d>
+        </p:spPr>
+        <p:style>
+          <a:lnRef idx="1">
+            <a:schemeClr val="accent1"/>
+          </a:lnRef>
+          <a:fillRef idx="3">
+            <a:schemeClr val="accent1"/>
+          </a:fillRef>
+          <a:effectRef idx="2">
+            <a:schemeClr val="accent1"/>
+          </a:effectRef>
+          <a:fontRef idx="minor">
+            <a:schemeClr val="lt1"/>
+          </a:fontRef>
+        </p:style>
+        <p:txBody>
+          <a:bodyPr rtlCol="0" anchor="ctr" anchorCtr="0"/>
+          <a:lstStyle/>
+          <a:p>
+            <a:pPr algn="ctr"/>
+            <a:r>
+              <a:rPr lang="en-US" sz="1400" b="1" dirty="0" err="1" smtClean="0">
+                <a:solidFill>
+                  <a:schemeClr val="tx1"/>
+                </a:solidFill>
+              </a:rPr>
+              <a:t>ConsumerC</a:t>
+            </a:r>
+            <a:endParaRPr lang="en-US" sz="1400" b="1" dirty="0">
+              <a:solidFill>
+                <a:schemeClr val="tx1"/>
+              </a:solidFill>
+            </a:endParaRPr>
+          </a:p>
+        </p:txBody>
+      </p:sp>
     </p:spTree>
     <p:extLst>
       <p:ext uri="{BB962C8B-B14F-4D97-AF65-F5344CB8AC3E}">
-        <p14:creationId xmlns:p14="http://schemas.microsoft.com/office/powerpoint/2010/main" val="1978435959"/>
+        <p14:creationId xmlns:p14="http://schemas.microsoft.com/office/powerpoint/2010/main" val="1895731241"/>
       </p:ext>
     </p:extLst>
   </p:cSld>
   <p:clrMapOvr>
     <a:masterClrMapping/>
   </p:clrMapOvr>
-  <p:transition xmlns:p14="http://schemas.microsoft.com/office/powerpoint/2010/main">
+  <p:transition>
     <p:fade/>
   </p:transition>
   <p:timing>
     <p:tnLst>
       <p:par>
-        <p:cTn xmlns:p14="http://schemas.microsoft.com/office/powerpoint/2010/main" id="1" dur="indefinite" restart="never" nodeType="tmRoot"/>
+        <p:cTn id="1" dur="indefinite" restart="never" nodeType="tmRoot"/>
       </p:par>
     </p:tnLst>
   </p:timing>
@@ -17457,7 +17481,7 @@
   <p:timing>
     <p:tnLst>
       <p:par>
-        <p:cTn xmlns:p14="http://schemas.microsoft.com/office/powerpoint/2010/main" id="1" dur="indefinite" restart="never" nodeType="tmRoot"/>
+        <p:cTn id="1" dur="indefinite" restart="never" nodeType="tmRoot"/>
       </p:par>
     </p:tnLst>
   </p:timing>
@@ -17523,7 +17547,7 @@
   <p:timing>
     <p:tnLst>
       <p:par>
-        <p:cTn xmlns:p14="http://schemas.microsoft.com/office/powerpoint/2010/main" id="1" dur="indefinite" restart="never" nodeType="tmRoot"/>
+        <p:cTn id="1" dur="indefinite" restart="never" nodeType="tmRoot"/>
       </p:par>
     </p:tnLst>
   </p:timing>
@@ -17755,7 +17779,7 @@
   <p:timing>
     <p:tnLst>
       <p:par>
-        <p:cTn xmlns:p14="http://schemas.microsoft.com/office/powerpoint/2010/main" id="1" dur="indefinite" restart="never" nodeType="tmRoot"/>
+        <p:cTn id="1" dur="indefinite" restart="never" nodeType="tmRoot"/>
       </p:par>
     </p:tnLst>
   </p:timing>
@@ -17877,7 +17901,7 @@
   <p:timing>
     <p:tnLst>
       <p:par>
-        <p:cTn xmlns:p14="http://schemas.microsoft.com/office/powerpoint/2010/main" id="1" dur="indefinite" restart="never" nodeType="tmRoot"/>
+        <p:cTn id="1" dur="indefinite" restart="never" nodeType="tmRoot"/>
       </p:par>
     </p:tnLst>
   </p:timing>
@@ -19473,7 +19497,7 @@
   <p:timing>
     <p:tnLst>
       <p:par>
-        <p:cTn xmlns:p14="http://schemas.microsoft.com/office/powerpoint/2010/main" id="1" dur="indefinite" restart="never" nodeType="tmRoot"/>
+        <p:cTn id="1" dur="indefinite" restart="never" nodeType="tmRoot"/>
       </p:par>
     </p:tnLst>
   </p:timing>
@@ -20183,7 +20207,7 @@
   <p:timing>
     <p:tnLst>
       <p:par>
-        <p:cTn xmlns:p14="http://schemas.microsoft.com/office/powerpoint/2010/main" id="1" dur="indefinite" restart="never" nodeType="tmRoot"/>
+        <p:cTn id="1" dur="indefinite" restart="never" nodeType="tmRoot"/>
       </p:par>
     </p:tnLst>
   </p:timing>
@@ -21792,7 +21816,7 @@
   <p:timing>
     <p:tnLst>
       <p:par>
-        <p:cTn xmlns:p14="http://schemas.microsoft.com/office/powerpoint/2010/main" id="1" dur="indefinite" restart="never" nodeType="tmRoot"/>
+        <p:cTn id="1" dur="indefinite" restart="never" nodeType="tmRoot"/>
       </p:par>
     </p:tnLst>
   </p:timing>
@@ -22194,7 +22218,7 @@
   <a:extraClrSchemeLst/>
   <a:extLst>
     <a:ext uri="{05A4C25C-085E-4340-85A3-A5531E510DB2}">
-      <thm15:themeFamily xmlns:thm15="http://schemas.microsoft.com/office/thememl/2012/main" xmlns="" name="Office Theme" id="{62F939B6-93AF-4DB8-9C6B-D6C7DFDC589F}" vid="{4A3C46E8-61CC-4603-A589-7422A47A8E4A}"/>
+      <thm15:themeFamily xmlns:thm15="http://schemas.microsoft.com/office/thememl/2012/main" name="Office Theme" id="{62F939B6-93AF-4DB8-9C6B-D6C7DFDC589F}" vid="{4A3C46E8-61CC-4603-A589-7422A47A8E4A}"/>
     </a:ext>
   </a:extLst>
 </a:theme>
@@ -22455,7 +22479,7 @@
   <a:extraClrSchemeLst/>
   <a:extLst>
     <a:ext uri="{05A4C25C-085E-4340-85A3-A5531E510DB2}">
-      <thm15:themeFamily xmlns:thm15="http://schemas.microsoft.com/office/thememl/2012/main" xmlns="" name="Office Theme" id="{62F939B6-93AF-4DB8-9C6B-D6C7DFDC589F}" vid="{4A3C46E8-61CC-4603-A589-7422A47A8E4A}"/>
+      <thm15:themeFamily xmlns:thm15="http://schemas.microsoft.com/office/thememl/2012/main" name="Office Theme" id="{62F939B6-93AF-4DB8-9C6B-D6C7DFDC589F}" vid="{4A3C46E8-61CC-4603-A589-7422A47A8E4A}"/>
     </a:ext>
   </a:extLst>
 </a:theme>

--- a/docs/Proj-Presentation.pptx
+++ b/docs/Proj-Presentation.pptx
@@ -5274,7 +5274,7 @@
         </p:nvGrpSpPr>
         <p:grpSpPr>
           <a:xfrm>
-            <a:off x="2222570" y="3518879"/>
+            <a:off x="1266651" y="3949331"/>
             <a:ext cx="3073943" cy="1922897"/>
             <a:chOff x="7327197" y="2551892"/>
             <a:chExt cx="3376246" cy="2611686"/>
@@ -5666,6 +5666,98 @@
           </p:txBody>
         </p:sp>
       </p:grpSp>
+      <p:cxnSp>
+        <p:nvCxnSpPr>
+          <p:cNvPr id="26" name="Straight Arrow Connector 25"/>
+          <p:cNvCxnSpPr/>
+          <p:nvPr/>
+        </p:nvCxnSpPr>
+        <p:spPr>
+          <a:xfrm flipH="1" flipV="1">
+            <a:off x="2159674" y="2886107"/>
+            <a:ext cx="3750788" cy="1539175"/>
+          </a:xfrm>
+          <a:prstGeom prst="straightConnector1">
+            <a:avLst/>
+          </a:prstGeom>
+          <a:ln>
+            <a:tailEnd type="triangle"/>
+          </a:ln>
+        </p:spPr>
+        <p:style>
+          <a:lnRef idx="1">
+            <a:schemeClr val="accent1"/>
+          </a:lnRef>
+          <a:fillRef idx="0">
+            <a:schemeClr val="accent1"/>
+          </a:fillRef>
+          <a:effectRef idx="0">
+            <a:schemeClr val="accent1"/>
+          </a:effectRef>
+          <a:fontRef idx="minor">
+            <a:schemeClr val="tx1"/>
+          </a:fontRef>
+        </p:style>
+      </p:cxnSp>
+      <p:sp>
+        <p:nvSpPr>
+          <p:cNvPr id="5" name="TextBox 4"/>
+          <p:cNvSpPr txBox="1"/>
+          <p:nvPr/>
+        </p:nvSpPr>
+        <p:spPr>
+          <a:xfrm>
+            <a:off x="3510737" y="3163415"/>
+            <a:ext cx="1588576" cy="369332"/>
+          </a:xfrm>
+          <a:prstGeom prst="rect">
+            <a:avLst/>
+          </a:prstGeom>
+          <a:noFill/>
+        </p:spPr>
+        <p:txBody>
+          <a:bodyPr wrap="none" rtlCol="0">
+            <a:spAutoFit/>
+          </a:bodyPr>
+          <a:lstStyle/>
+          <a:p>
+            <a:r>
+              <a:rPr lang="en-US" dirty="0" smtClean="0"/>
+              <a:t>Signed Interest</a:t>
+            </a:r>
+          </a:p>
+        </p:txBody>
+      </p:sp>
+      <p:sp>
+        <p:nvSpPr>
+          <p:cNvPr id="36" name="TextBox 35"/>
+          <p:cNvSpPr txBox="1"/>
+          <p:nvPr/>
+        </p:nvSpPr>
+        <p:spPr>
+          <a:xfrm>
+            <a:off x="6405555" y="3498025"/>
+            <a:ext cx="1077218" cy="369332"/>
+          </a:xfrm>
+          <a:prstGeom prst="rect">
+            <a:avLst/>
+          </a:prstGeom>
+          <a:noFill/>
+        </p:spPr>
+        <p:txBody>
+          <a:bodyPr wrap="none" rtlCol="0">
+            <a:spAutoFit/>
+          </a:bodyPr>
+          <a:lstStyle/>
+          <a:p>
+            <a:r>
+              <a:rPr lang="en-US" smtClean="0"/>
+              <a:t>Interest +</a:t>
+            </a:r>
+            <a:endParaRPr lang="en-US" dirty="0" smtClean="0"/>
+          </a:p>
+        </p:txBody>
+      </p:sp>
     </p:spTree>
     <p:extLst>
       <p:ext uri="{BB962C8B-B14F-4D97-AF65-F5344CB8AC3E}">
@@ -9258,8 +9350,25 @@
           <a:p>
             <a:r>
               <a:rPr lang="en-US" dirty="0" smtClean="0"/>
-              <a:t>A complete C/C++ library with unit tests and integrate tests</a:t>
-            </a:r>
+              <a:t>A complete C/C++ library with unit tests and integrate </a:t>
+            </a:r>
+            <a:r>
+              <a:rPr lang="en-US" dirty="0" smtClean="0"/>
+              <a:t>tests</a:t>
+            </a:r>
+          </a:p>
+          <a:p>
+            <a:r>
+              <a:rPr lang="en-US" dirty="0" smtClean="0"/>
+              <a:t>More than 3500 lines of code (without copyright)</a:t>
+            </a:r>
+          </a:p>
+          <a:p>
+            <a:r>
+              <a:rPr lang="en-US" dirty="0" smtClean="0"/>
+              <a:t>Combine AES, RSA and ABE encryption/decryption</a:t>
+            </a:r>
+            <a:endParaRPr lang="en-US" dirty="0" smtClean="0"/>
           </a:p>
           <a:p>
             <a:r>
@@ -20921,6 +21030,13 @@
   <p:clrMapOvr>
     <a:masterClrMapping/>
   </p:clrMapOvr>
+  <p:timing>
+    <p:tnLst>
+      <p:par>
+        <p:cTn id="1" dur="indefinite" restart="never" nodeType="tmRoot"/>
+      </p:par>
+    </p:tnLst>
+  </p:timing>
 </p:sld>
 </file>
 
@@ -21960,6 +22076,13 @@
   <p:clrMapOvr>
     <a:masterClrMapping/>
   </p:clrMapOvr>
+  <p:timing>
+    <p:tnLst>
+      <p:par>
+        <p:cTn id="1" dur="indefinite" restart="never" nodeType="tmRoot"/>
+      </p:par>
+    </p:tnLst>
+  </p:timing>
 </p:sld>
 </file>
 
